--- a/templates/p2.pptx
+++ b/templates/p2.pptx
@@ -2,13 +2,14 @@
 <file path=ppt/presentation.xml><?xml version="1.0" encoding="utf-8"?>
 <p:presentation xmlns:a="http://schemas.openxmlformats.org/drawingml/2006/main" xmlns:r="http://schemas.openxmlformats.org/officeDocument/2006/relationships" xmlns:p="http://schemas.openxmlformats.org/presentationml/2006/main" saveSubsetFonts="1">
   <p:sldMasterIdLst>
-    <p:sldMasterId id="2147483660" r:id="rId1"/>
+    <p:sldMasterId id="2147483672" r:id="rId1"/>
   </p:sldMasterIdLst>
   <p:sldIdLst>
     <p:sldId id="256" r:id="rId2"/>
     <p:sldId id="257" r:id="rId3"/>
     <p:sldId id="258" r:id="rId4"/>
     <p:sldId id="259" r:id="rId5"/>
+    <p:sldId id="260" r:id="rId6"/>
   </p:sldIdLst>
   <p:sldSz cx="12192000" cy="6858000"/>
   <p:notesSz cx="6858000" cy="9144000"/>
@@ -107,6 +108,11 @@
       </a:defRPr>
     </a:lvl9pPr>
   </p:defaultTextStyle>
+  <p:extLst>
+    <p:ext uri="{EFAFB233-063F-42B5-8137-9DF3F51BA10A}">
+      <p15:sldGuideLst xmlns:p15="http://schemas.microsoft.com/office/powerpoint/2012/main"/>
+    </p:ext>
+  </p:extLst>
 </p:presentation>
 </file>
 
@@ -139,8 +145,8 @@
         </p:nvSpPr>
         <p:spPr>
           <a:xfrm>
-            <a:off x="2417779" y="802298"/>
-            <a:ext cx="8637073" cy="2541431"/>
+            <a:off x="1774423" y="802298"/>
+            <a:ext cx="8637073" cy="2920713"/>
           </a:xfrm>
         </p:spPr>
         <p:txBody>
@@ -148,7 +154,7 @@
             <a:normAutofit/>
           </a:bodyPr>
           <a:lstStyle>
-            <a:lvl1pPr algn="l">
+            <a:lvl1pPr algn="ctr">
               <a:defRPr sz="6600"/>
             </a:lvl1pPr>
           </a:lstStyle>
@@ -173,7 +179,7 @@
         </p:nvSpPr>
         <p:spPr>
           <a:xfrm>
-            <a:off x="2417780" y="3531204"/>
+            <a:off x="1774424" y="3724074"/>
             <a:ext cx="8637072" cy="977621"/>
           </a:xfrm>
         </p:spPr>
@@ -182,7 +188,7 @@
             <a:normAutofit/>
           </a:bodyPr>
           <a:lstStyle>
-            <a:lvl1pPr marL="0" indent="0" algn="l">
+            <a:lvl1pPr marL="0" indent="0" algn="ctr">
               <a:buNone/>
               <a:defRPr sz="1800" b="0" cap="all" baseline="0">
                 <a:solidFill>
@@ -249,7 +255,7 @@
           <a:p>
             <a:fld id="{2AFBD733-5E6E-42CA-9346-8CA31F67F21A}" type="datetimeFigureOut">
               <a:rPr lang="ru-RU" smtClean="0"/>
-              <a:t>29.10.2021</a:t>
+              <a:t>04.11.2021</a:t>
             </a:fld>
             <a:endParaRPr lang="ru-RU"/>
           </a:p>
@@ -267,8 +273,8 @@
         </p:nvSpPr>
         <p:spPr>
           <a:xfrm>
-            <a:off x="2416500" y="329307"/>
-            <a:ext cx="4973915" cy="309201"/>
+            <a:off x="1451579" y="329307"/>
+            <a:ext cx="5626774" cy="309201"/>
           </a:xfrm>
         </p:spPr>
         <p:txBody>
@@ -291,7 +297,7 @@
         </p:nvSpPr>
         <p:spPr>
           <a:xfrm>
-            <a:off x="1437664" y="798973"/>
+            <a:off x="476834" y="798973"/>
             <a:ext cx="811019" cy="503578"/>
           </a:xfrm>
         </p:spPr>
@@ -307,41 +313,10 @@
           </a:p>
         </p:txBody>
       </p:sp>
-      <p:cxnSp>
-        <p:nvCxnSpPr>
-          <p:cNvPr id="15" name="Straight Connector 14"/>
-          <p:cNvCxnSpPr/>
-          <p:nvPr/>
-        </p:nvCxnSpPr>
-        <p:spPr>
-          <a:xfrm>
-            <a:off x="2417780" y="3528542"/>
-            <a:ext cx="8637072" cy="0"/>
-          </a:xfrm>
-          <a:prstGeom prst="line">
-            <a:avLst/>
-          </a:prstGeom>
-          <a:ln w="31750"/>
-        </p:spPr>
-        <p:style>
-          <a:lnRef idx="3">
-            <a:schemeClr val="accent1"/>
-          </a:lnRef>
-          <a:fillRef idx="0">
-            <a:schemeClr val="accent1"/>
-          </a:fillRef>
-          <a:effectRef idx="2">
-            <a:schemeClr val="accent1"/>
-          </a:effectRef>
-          <a:fontRef idx="minor">
-            <a:schemeClr val="tx1"/>
-          </a:fontRef>
-        </p:style>
-      </p:cxnSp>
     </p:spTree>
     <p:extLst>
       <p:ext uri="{BB962C8B-B14F-4D97-AF65-F5344CB8AC3E}">
-        <p14:creationId xmlns:p14="http://schemas.microsoft.com/office/powerpoint/2010/main" val="2382658614"/>
+        <p14:creationId xmlns:p14="http://schemas.microsoft.com/office/powerpoint/2010/main" val="1055399113"/>
       </p:ext>
     </p:extLst>
   </p:cSld>
@@ -460,7 +435,7 @@
           <a:p>
             <a:fld id="{2AFBD733-5E6E-42CA-9346-8CA31F67F21A}" type="datetimeFigureOut">
               <a:rPr lang="ru-RU" smtClean="0"/>
-              <a:t>29.10.2021</a:t>
+              <a:t>04.11.2021</a:t>
             </a:fld>
             <a:endParaRPr lang="ru-RU"/>
           </a:p>
@@ -508,41 +483,10 @@
           </a:p>
         </p:txBody>
       </p:sp>
-      <p:cxnSp>
-        <p:nvCxnSpPr>
-          <p:cNvPr id="26" name="Straight Connector 25"/>
-          <p:cNvCxnSpPr/>
-          <p:nvPr/>
-        </p:nvCxnSpPr>
-        <p:spPr>
-          <a:xfrm>
-            <a:off x="1453896" y="1847088"/>
-            <a:ext cx="9607522" cy="0"/>
-          </a:xfrm>
-          <a:prstGeom prst="line">
-            <a:avLst/>
-          </a:prstGeom>
-          <a:ln w="31750"/>
-        </p:spPr>
-        <p:style>
-          <a:lnRef idx="3">
-            <a:schemeClr val="accent1"/>
-          </a:lnRef>
-          <a:fillRef idx="0">
-            <a:schemeClr val="accent1"/>
-          </a:fillRef>
-          <a:effectRef idx="2">
-            <a:schemeClr val="accent1"/>
-          </a:effectRef>
-          <a:fontRef idx="minor">
-            <a:schemeClr val="tx1"/>
-          </a:fontRef>
-        </p:style>
-      </p:cxnSp>
     </p:spTree>
     <p:extLst>
       <p:ext uri="{BB962C8B-B14F-4D97-AF65-F5344CB8AC3E}">
-        <p14:creationId xmlns:p14="http://schemas.microsoft.com/office/powerpoint/2010/main" val="3948899343"/>
+        <p14:creationId xmlns:p14="http://schemas.microsoft.com/office/powerpoint/2010/main" val="3514720109"/>
       </p:ext>
     </p:extLst>
   </p:cSld>
@@ -581,7 +525,7 @@
         </p:nvSpPr>
         <p:spPr>
           <a:xfrm>
-            <a:off x="9439111" y="798973"/>
+            <a:off x="9127052" y="798973"/>
             <a:ext cx="1615742" cy="4659889"/>
           </a:xfrm>
         </p:spPr>
@@ -614,7 +558,7 @@
         <p:spPr>
           <a:xfrm>
             <a:off x="1444672" y="798973"/>
-            <a:ext cx="7828830" cy="4659889"/>
+            <a:ext cx="7518654" cy="4659889"/>
           </a:xfrm>
         </p:spPr>
         <p:txBody>
@@ -675,7 +619,7 @@
           <a:p>
             <a:fld id="{2AFBD733-5E6E-42CA-9346-8CA31F67F21A}" type="datetimeFigureOut">
               <a:rPr lang="ru-RU" smtClean="0"/>
-              <a:t>29.10.2021</a:t>
+              <a:t>04.11.2021</a:t>
             </a:fld>
             <a:endParaRPr lang="ru-RU"/>
           </a:p>
@@ -723,41 +667,10 @@
           </a:p>
         </p:txBody>
       </p:sp>
-      <p:cxnSp>
-        <p:nvCxnSpPr>
-          <p:cNvPr id="15" name="Straight Connector 14"/>
-          <p:cNvCxnSpPr/>
-          <p:nvPr/>
-        </p:nvCxnSpPr>
-        <p:spPr>
-          <a:xfrm>
-            <a:off x="9439111" y="798973"/>
-            <a:ext cx="0" cy="4659889"/>
-          </a:xfrm>
-          <a:prstGeom prst="line">
-            <a:avLst/>
-          </a:prstGeom>
-          <a:ln w="31750"/>
-        </p:spPr>
-        <p:style>
-          <a:lnRef idx="3">
-            <a:schemeClr val="accent1"/>
-          </a:lnRef>
-          <a:fillRef idx="0">
-            <a:schemeClr val="accent1"/>
-          </a:fillRef>
-          <a:effectRef idx="2">
-            <a:schemeClr val="accent1"/>
-          </a:effectRef>
-          <a:fontRef idx="minor">
-            <a:schemeClr val="tx1"/>
-          </a:fontRef>
-        </p:style>
-      </p:cxnSp>
     </p:spTree>
     <p:extLst>
       <p:ext uri="{BB962C8B-B14F-4D97-AF65-F5344CB8AC3E}">
-        <p14:creationId xmlns:p14="http://schemas.microsoft.com/office/powerpoint/2010/main" val="639355761"/>
+        <p14:creationId xmlns:p14="http://schemas.microsoft.com/office/powerpoint/2010/main" val="2352352884"/>
       </p:ext>
     </p:extLst>
   </p:cSld>
@@ -876,7 +789,7 @@
           <a:p>
             <a:fld id="{2AFBD733-5E6E-42CA-9346-8CA31F67F21A}" type="datetimeFigureOut">
               <a:rPr lang="ru-RU" smtClean="0"/>
-              <a:t>29.10.2021</a:t>
+              <a:t>04.11.2021</a:t>
             </a:fld>
             <a:endParaRPr lang="ru-RU"/>
           </a:p>
@@ -924,41 +837,10 @@
           </a:p>
         </p:txBody>
       </p:sp>
-      <p:cxnSp>
-        <p:nvCxnSpPr>
-          <p:cNvPr id="33" name="Straight Connector 32"/>
-          <p:cNvCxnSpPr/>
-          <p:nvPr/>
-        </p:nvCxnSpPr>
-        <p:spPr>
-          <a:xfrm>
-            <a:off x="1453896" y="1847088"/>
-            <a:ext cx="9607522" cy="0"/>
-          </a:xfrm>
-          <a:prstGeom prst="line">
-            <a:avLst/>
-          </a:prstGeom>
-          <a:ln w="31750"/>
-        </p:spPr>
-        <p:style>
-          <a:lnRef idx="3">
-            <a:schemeClr val="accent1"/>
-          </a:lnRef>
-          <a:fillRef idx="0">
-            <a:schemeClr val="accent1"/>
-          </a:fillRef>
-          <a:effectRef idx="2">
-            <a:schemeClr val="accent1"/>
-          </a:effectRef>
-          <a:fontRef idx="minor">
-            <a:schemeClr val="tx1"/>
-          </a:fontRef>
-        </p:style>
-      </p:cxnSp>
     </p:spTree>
     <p:extLst>
       <p:ext uri="{BB962C8B-B14F-4D97-AF65-F5344CB8AC3E}">
-        <p14:creationId xmlns:p14="http://schemas.microsoft.com/office/powerpoint/2010/main" val="638110271"/>
+        <p14:creationId xmlns:p14="http://schemas.microsoft.com/office/powerpoint/2010/main" val="3965914892"/>
       </p:ext>
     </p:extLst>
   </p:cSld>
@@ -997,8 +879,8 @@
         </p:nvSpPr>
         <p:spPr>
           <a:xfrm>
-            <a:off x="1454239" y="1756130"/>
-            <a:ext cx="8643154" cy="1887950"/>
+            <a:off x="1774423" y="1756130"/>
+            <a:ext cx="8643154" cy="1969007"/>
           </a:xfrm>
         </p:spPr>
         <p:txBody>
@@ -1006,7 +888,7 @@
             <a:normAutofit/>
           </a:bodyPr>
           <a:lstStyle>
-            <a:lvl1pPr algn="l">
+            <a:lvl1pPr algn="ctr">
               <a:defRPr sz="3600"/>
             </a:lvl1pPr>
           </a:lstStyle>
@@ -1031,8 +913,8 @@
         </p:nvSpPr>
         <p:spPr>
           <a:xfrm>
-            <a:off x="1454239" y="3806195"/>
-            <a:ext cx="8630446" cy="1012929"/>
+            <a:off x="1774423" y="3725137"/>
+            <a:ext cx="8643154" cy="1093987"/>
           </a:xfrm>
         </p:spPr>
         <p:txBody>
@@ -1040,7 +922,7 @@
             <a:normAutofit/>
           </a:bodyPr>
           <a:lstStyle>
-            <a:lvl1pPr marL="0" indent="0" algn="l">
+            <a:lvl1pPr marL="0" indent="0" algn="ctr">
               <a:buNone/>
               <a:defRPr sz="1800">
                 <a:solidFill>
@@ -1155,7 +1037,7 @@
           <a:p>
             <a:fld id="{2AFBD733-5E6E-42CA-9346-8CA31F67F21A}" type="datetimeFigureOut">
               <a:rPr lang="ru-RU" smtClean="0"/>
-              <a:t>29.10.2021</a:t>
+              <a:t>04.11.2021</a:t>
             </a:fld>
             <a:endParaRPr lang="ru-RU"/>
           </a:p>
@@ -1203,41 +1085,10 @@
           </a:p>
         </p:txBody>
       </p:sp>
-      <p:cxnSp>
-        <p:nvCxnSpPr>
-          <p:cNvPr id="15" name="Straight Connector 14"/>
-          <p:cNvCxnSpPr/>
-          <p:nvPr/>
-        </p:nvCxnSpPr>
-        <p:spPr>
-          <a:xfrm>
-            <a:off x="1454239" y="3804985"/>
-            <a:ext cx="8630446" cy="0"/>
-          </a:xfrm>
-          <a:prstGeom prst="line">
-            <a:avLst/>
-          </a:prstGeom>
-          <a:ln w="31750"/>
-        </p:spPr>
-        <p:style>
-          <a:lnRef idx="3">
-            <a:schemeClr val="accent1"/>
-          </a:lnRef>
-          <a:fillRef idx="0">
-            <a:schemeClr val="accent1"/>
-          </a:fillRef>
-          <a:effectRef idx="2">
-            <a:schemeClr val="accent1"/>
-          </a:effectRef>
-          <a:fontRef idx="minor">
-            <a:schemeClr val="tx1"/>
-          </a:fontRef>
-        </p:style>
-      </p:cxnSp>
     </p:spTree>
     <p:extLst>
       <p:ext uri="{BB962C8B-B14F-4D97-AF65-F5344CB8AC3E}">
-        <p14:creationId xmlns:p14="http://schemas.microsoft.com/office/powerpoint/2010/main" val="2120409857"/>
+        <p14:creationId xmlns:p14="http://schemas.microsoft.com/office/powerpoint/2010/main" val="3878455240"/>
       </p:ext>
     </p:extLst>
   </p:cSld>
@@ -1277,7 +1128,7 @@
         <p:spPr>
           <a:xfrm>
             <a:off x="1449217" y="804889"/>
-            <a:ext cx="9605635" cy="1059305"/>
+            <a:ext cx="9293577" cy="1059305"/>
           </a:xfrm>
         </p:spPr>
         <p:txBody>
@@ -1305,7 +1156,7 @@
         <p:spPr>
           <a:xfrm>
             <a:off x="1447331" y="2010878"/>
-            <a:ext cx="4645152" cy="3448595"/>
+            <a:ext cx="4488654" cy="3448595"/>
           </a:xfrm>
         </p:spPr>
         <p:txBody>
@@ -1361,8 +1212,8 @@
         </p:nvSpPr>
         <p:spPr>
           <a:xfrm>
-            <a:off x="6413771" y="2017343"/>
-            <a:ext cx="4645152" cy="3441520"/>
+            <a:off x="6254140" y="2017343"/>
+            <a:ext cx="4488654" cy="3441520"/>
           </a:xfrm>
         </p:spPr>
         <p:txBody>
@@ -1423,7 +1274,7 @@
           <a:p>
             <a:fld id="{2AFBD733-5E6E-42CA-9346-8CA31F67F21A}" type="datetimeFigureOut">
               <a:rPr lang="ru-RU" smtClean="0"/>
-              <a:t>29.10.2021</a:t>
+              <a:t>04.11.2021</a:t>
             </a:fld>
             <a:endParaRPr lang="ru-RU"/>
           </a:p>
@@ -1471,41 +1322,10 @@
           </a:p>
         </p:txBody>
       </p:sp>
-      <p:cxnSp>
-        <p:nvCxnSpPr>
-          <p:cNvPr id="35" name="Straight Connector 34"/>
-          <p:cNvCxnSpPr/>
-          <p:nvPr/>
-        </p:nvCxnSpPr>
-        <p:spPr>
-          <a:xfrm>
-            <a:off x="1453896" y="1847088"/>
-            <a:ext cx="9607522" cy="0"/>
-          </a:xfrm>
-          <a:prstGeom prst="line">
-            <a:avLst/>
-          </a:prstGeom>
-          <a:ln w="31750"/>
-        </p:spPr>
-        <p:style>
-          <a:lnRef idx="3">
-            <a:schemeClr val="accent1"/>
-          </a:lnRef>
-          <a:fillRef idx="0">
-            <a:schemeClr val="accent1"/>
-          </a:fillRef>
-          <a:effectRef idx="2">
-            <a:schemeClr val="accent1"/>
-          </a:effectRef>
-          <a:fontRef idx="minor">
-            <a:schemeClr val="tx1"/>
-          </a:fontRef>
-        </p:style>
-      </p:cxnSp>
     </p:spTree>
     <p:extLst>
       <p:ext uri="{BB962C8B-B14F-4D97-AF65-F5344CB8AC3E}">
-        <p14:creationId xmlns:p14="http://schemas.microsoft.com/office/powerpoint/2010/main" val="1493953721"/>
+        <p14:creationId xmlns:p14="http://schemas.microsoft.com/office/powerpoint/2010/main" val="3409879265"/>
       </p:ext>
     </p:extLst>
   </p:cSld>
@@ -1545,7 +1365,7 @@
         <p:spPr>
           <a:xfrm>
             <a:off x="1447191" y="804163"/>
-            <a:ext cx="9607661" cy="1056319"/>
+            <a:ext cx="9295603" cy="1056319"/>
           </a:xfrm>
         </p:spPr>
         <p:txBody>
@@ -1573,7 +1393,7 @@
         <p:spPr>
           <a:xfrm>
             <a:off x="1447191" y="2019549"/>
-            <a:ext cx="4645152" cy="801943"/>
+            <a:ext cx="4488794" cy="801943"/>
           </a:xfrm>
         </p:spPr>
         <p:txBody>
@@ -1647,7 +1467,7 @@
         <p:spPr>
           <a:xfrm>
             <a:off x="1447191" y="2824269"/>
-            <a:ext cx="4645152" cy="2644457"/>
+            <a:ext cx="4488794" cy="2644457"/>
           </a:xfrm>
         </p:spPr>
         <p:txBody>
@@ -1703,8 +1523,8 @@
         </p:nvSpPr>
         <p:spPr>
           <a:xfrm>
-            <a:off x="6412362" y="2023003"/>
-            <a:ext cx="4645152" cy="802237"/>
+            <a:off x="6256025" y="2023003"/>
+            <a:ext cx="4488794" cy="802237"/>
           </a:xfrm>
         </p:spPr>
         <p:txBody>
@@ -1777,8 +1597,8 @@
         </p:nvSpPr>
         <p:spPr>
           <a:xfrm>
-            <a:off x="6412362" y="2821491"/>
-            <a:ext cx="4645152" cy="2637371"/>
+            <a:off x="6256025" y="2821491"/>
+            <a:ext cx="4488794" cy="2637371"/>
           </a:xfrm>
         </p:spPr>
         <p:txBody>
@@ -1839,7 +1659,7 @@
           <a:p>
             <a:fld id="{2AFBD733-5E6E-42CA-9346-8CA31F67F21A}" type="datetimeFigureOut">
               <a:rPr lang="ru-RU" smtClean="0"/>
-              <a:t>29.10.2021</a:t>
+              <a:t>04.11.2021</a:t>
             </a:fld>
             <a:endParaRPr lang="ru-RU"/>
           </a:p>
@@ -1887,41 +1707,10 @@
           </a:p>
         </p:txBody>
       </p:sp>
-      <p:cxnSp>
-        <p:nvCxnSpPr>
-          <p:cNvPr id="29" name="Straight Connector 28"/>
-          <p:cNvCxnSpPr/>
-          <p:nvPr/>
-        </p:nvCxnSpPr>
-        <p:spPr>
-          <a:xfrm>
-            <a:off x="1453896" y="1847088"/>
-            <a:ext cx="9607522" cy="0"/>
-          </a:xfrm>
-          <a:prstGeom prst="line">
-            <a:avLst/>
-          </a:prstGeom>
-          <a:ln w="31750"/>
-        </p:spPr>
-        <p:style>
-          <a:lnRef idx="3">
-            <a:schemeClr val="accent1"/>
-          </a:lnRef>
-          <a:fillRef idx="0">
-            <a:schemeClr val="accent1"/>
-          </a:fillRef>
-          <a:effectRef idx="2">
-            <a:schemeClr val="accent1"/>
-          </a:effectRef>
-          <a:fontRef idx="minor">
-            <a:schemeClr val="tx1"/>
-          </a:fontRef>
-        </p:style>
-      </p:cxnSp>
     </p:spTree>
     <p:extLst>
       <p:ext uri="{BB962C8B-B14F-4D97-AF65-F5344CB8AC3E}">
-        <p14:creationId xmlns:p14="http://schemas.microsoft.com/office/powerpoint/2010/main" val="3685024325"/>
+        <p14:creationId xmlns:p14="http://schemas.microsoft.com/office/powerpoint/2010/main" val="2563874113"/>
       </p:ext>
     </p:extLst>
   </p:cSld>
@@ -1988,7 +1777,7 @@
           <a:p>
             <a:fld id="{2AFBD733-5E6E-42CA-9346-8CA31F67F21A}" type="datetimeFigureOut">
               <a:rPr lang="ru-RU" smtClean="0"/>
-              <a:t>29.10.2021</a:t>
+              <a:t>04.11.2021</a:t>
             </a:fld>
             <a:endParaRPr lang="ru-RU"/>
           </a:p>
@@ -2036,41 +1825,10 @@
           </a:p>
         </p:txBody>
       </p:sp>
-      <p:cxnSp>
-        <p:nvCxnSpPr>
-          <p:cNvPr id="25" name="Straight Connector 24"/>
-          <p:cNvCxnSpPr/>
-          <p:nvPr/>
-        </p:nvCxnSpPr>
-        <p:spPr>
-          <a:xfrm>
-            <a:off x="1453896" y="1847088"/>
-            <a:ext cx="9607522" cy="0"/>
-          </a:xfrm>
-          <a:prstGeom prst="line">
-            <a:avLst/>
-          </a:prstGeom>
-          <a:ln w="31750"/>
-        </p:spPr>
-        <p:style>
-          <a:lnRef idx="3">
-            <a:schemeClr val="accent1"/>
-          </a:lnRef>
-          <a:fillRef idx="0">
-            <a:schemeClr val="accent1"/>
-          </a:fillRef>
-          <a:effectRef idx="2">
-            <a:schemeClr val="accent1"/>
-          </a:effectRef>
-          <a:fontRef idx="minor">
-            <a:schemeClr val="tx1"/>
-          </a:fontRef>
-        </p:style>
-      </p:cxnSp>
     </p:spTree>
     <p:extLst>
       <p:ext uri="{BB962C8B-B14F-4D97-AF65-F5344CB8AC3E}">
-        <p14:creationId xmlns:p14="http://schemas.microsoft.com/office/powerpoint/2010/main" val="1300989457"/>
+        <p14:creationId xmlns:p14="http://schemas.microsoft.com/office/powerpoint/2010/main" val="3018029586"/>
       </p:ext>
     </p:extLst>
   </p:cSld>
@@ -2114,7 +1872,7 @@
           <a:p>
             <a:fld id="{2AFBD733-5E6E-42CA-9346-8CA31F67F21A}" type="datetimeFigureOut">
               <a:rPr lang="ru-RU" smtClean="0"/>
-              <a:t>29.10.2021</a:t>
+              <a:t>04.11.2021</a:t>
             </a:fld>
             <a:endParaRPr lang="ru-RU"/>
           </a:p>
@@ -2165,7 +1923,7 @@
     </p:spTree>
     <p:extLst>
       <p:ext uri="{BB962C8B-B14F-4D97-AF65-F5344CB8AC3E}">
-        <p14:creationId xmlns:p14="http://schemas.microsoft.com/office/powerpoint/2010/main" val="3306188376"/>
+        <p14:creationId xmlns:p14="http://schemas.microsoft.com/office/powerpoint/2010/main" val="3965768336"/>
       </p:ext>
     </p:extLst>
   </p:cSld>
@@ -2205,7 +1963,7 @@
         <p:spPr>
           <a:xfrm>
             <a:off x="1444671" y="798973"/>
-            <a:ext cx="3273099" cy="2247117"/>
+            <a:ext cx="2961967" cy="2406518"/>
           </a:xfrm>
         </p:spPr>
         <p:txBody>
@@ -2238,7 +1996,7 @@
         </p:nvSpPr>
         <p:spPr>
           <a:xfrm>
-            <a:off x="5043714" y="798974"/>
+            <a:off x="4730324" y="798974"/>
             <a:ext cx="6012470" cy="4658826"/>
           </a:xfrm>
         </p:spPr>
@@ -2296,7 +2054,7 @@
         <p:spPr>
           <a:xfrm>
             <a:off x="1444671" y="3205491"/>
-            <a:ext cx="3275013" cy="2248181"/>
+            <a:ext cx="2961967" cy="2248181"/>
           </a:xfrm>
         </p:spPr>
         <p:txBody>
@@ -2365,7 +2123,7 @@
           <a:p>
             <a:fld id="{2AFBD733-5E6E-42CA-9346-8CA31F67F21A}" type="datetimeFigureOut">
               <a:rPr lang="ru-RU" smtClean="0"/>
-              <a:t>29.10.2021</a:t>
+              <a:t>04.11.2021</a:t>
             </a:fld>
             <a:endParaRPr lang="ru-RU"/>
           </a:p>
@@ -2413,41 +2171,10 @@
           </a:p>
         </p:txBody>
       </p:sp>
-      <p:cxnSp>
-        <p:nvCxnSpPr>
-          <p:cNvPr id="17" name="Straight Connector 16"/>
-          <p:cNvCxnSpPr/>
-          <p:nvPr/>
-        </p:nvCxnSpPr>
-        <p:spPr>
-          <a:xfrm>
-            <a:off x="1448280" y="3205491"/>
-            <a:ext cx="3269490" cy="0"/>
-          </a:xfrm>
-          <a:prstGeom prst="line">
-            <a:avLst/>
-          </a:prstGeom>
-          <a:ln w="31750"/>
-        </p:spPr>
-        <p:style>
-          <a:lnRef idx="3">
-            <a:schemeClr val="accent1"/>
-          </a:lnRef>
-          <a:fillRef idx="0">
-            <a:schemeClr val="accent1"/>
-          </a:fillRef>
-          <a:effectRef idx="2">
-            <a:schemeClr val="accent1"/>
-          </a:effectRef>
-          <a:fontRef idx="minor">
-            <a:schemeClr val="tx1"/>
-          </a:fontRef>
-        </p:style>
-      </p:cxnSp>
     </p:spTree>
     <p:extLst>
       <p:ext uri="{BB962C8B-B14F-4D97-AF65-F5344CB8AC3E}">
-        <p14:creationId xmlns:p14="http://schemas.microsoft.com/office/powerpoint/2010/main" val="4231459245"/>
+        <p14:creationId xmlns:p14="http://schemas.microsoft.com/office/powerpoint/2010/main" val="3682946060"/>
       </p:ext>
     </p:extLst>
   </p:cSld>
@@ -2476,7 +2203,7 @@
       </p:grpSpPr>
       <p:grpSp>
         <p:nvGrpSpPr>
-          <p:cNvPr id="8" name="Group 7"/>
+          <p:cNvPr id="9" name="Group 8"/>
           <p:cNvGrpSpPr/>
           <p:nvPr/>
         </p:nvGrpSpPr>
@@ -2494,7 +2221,7 @@
             <p:cNvSpPr/>
             <p:nvPr/>
           </p:nvSpPr>
-          <p:spPr bwMode="black">
+          <p:spPr>
             <a:xfrm>
               <a:off x="7477387" y="482170"/>
               <a:ext cx="4074533" cy="5149101"/>
@@ -2502,16 +2229,13 @@
             <a:prstGeom prst="rect">
               <a:avLst/>
             </a:prstGeom>
-            <a:gradFill>
-              <a:gsLst>
-                <a:gs pos="0">
-                  <a:srgbClr val="000001"/>
-                </a:gs>
-                <a:gs pos="100000">
-                  <a:srgbClr val="191919"/>
-                </a:gs>
-              </a:gsLst>
-            </a:gradFill>
+            <a:blipFill dpi="0" rotWithShape="1">
+              <a:blip r:embed="rId2">
+                <a:alphaModFix amt="30000"/>
+              </a:blip>
+              <a:srcRect/>
+              <a:tile tx="0" ty="0" sx="100000" sy="100000" flip="none" algn="ctr"/>
+            </a:blipFill>
             <a:ln w="76200" cmpd="sng">
               <a:noFill/>
               <a:miter lim="800000"/>
@@ -2527,8 +2251,14 @@
               <a:camera prst="orthographicFront"/>
               <a:lightRig rig="threePt" dir="t"/>
             </a:scene3d>
-            <a:sp3d>
+            <a:sp3d extrusionH="76200" contourW="12700" prstMaterial="matte">
               <a:bevelT w="152400" h="50800" prst="softRound"/>
+              <a:extrusionClr>
+                <a:schemeClr val="tx2"/>
+              </a:extrusionClr>
+              <a:contourClr>
+                <a:schemeClr val="bg2"/>
+              </a:contourClr>
             </a:sp3d>
           </p:spPr>
           <p:style>
@@ -2552,7 +2282,7 @@
             <p:cNvSpPr/>
             <p:nvPr/>
           </p:nvSpPr>
-          <p:spPr bwMode="blackWhite">
+          <p:spPr>
             <a:xfrm>
               <a:off x="7790446" y="812506"/>
               <a:ext cx="3450289" cy="4466452"/>
@@ -2571,9 +2301,11 @@
               </a:gsLst>
               <a:lin ang="16200000" scaled="0"/>
             </a:gradFill>
-            <a:ln w="50800" cmpd="sng">
+            <a:ln w="38100" cmpd="sng">
               <a:solidFill>
-                <a:srgbClr val="191919"/>
+                <a:schemeClr val="tx2">
+                  <a:lumMod val="25000"/>
+                </a:schemeClr>
               </a:solidFill>
               <a:miter lim="800000"/>
             </a:ln>
@@ -2620,8 +2352,8 @@
         </p:nvSpPr>
         <p:spPr>
           <a:xfrm>
-            <a:off x="1451206" y="1129513"/>
-            <a:ext cx="5532328" cy="1830584"/>
+            <a:off x="1451206" y="1129512"/>
+            <a:ext cx="5532328" cy="1922299"/>
           </a:xfrm>
         </p:spPr>
         <p:txBody>
@@ -2659,7 +2391,9 @@
           </a:xfrm>
           <a:solidFill>
             <a:schemeClr val="bg1">
-              <a:lumMod val="85000"/>
+              <a:lumMod val="50000"/>
+              <a:lumOff val="50000"/>
+              <a:alpha val="80000"/>
             </a:schemeClr>
           </a:solidFill>
           <a:ln w="9525" cap="sq">
@@ -2669,46 +2403,16 @@
           <a:effectLst/>
         </p:spPr>
         <p:txBody>
-          <a:bodyPr anchor="t"/>
+          <a:bodyPr vert="horz" lIns="91440" tIns="45720" rIns="91440" bIns="45720" rtlCol="0" anchor="t">
+            <a:normAutofit/>
+          </a:bodyPr>
           <a:lstStyle>
-            <a:lvl1pPr marL="0" indent="0" algn="ctr">
-              <a:buNone/>
-              <a:defRPr sz="3200"/>
+            <a:lvl1pPr>
+              <a:defRPr lang="en-US" sz="3200" dirty="0"/>
             </a:lvl1pPr>
-            <a:lvl2pPr marL="457200" indent="0">
-              <a:buNone/>
-              <a:defRPr sz="2800"/>
-            </a:lvl2pPr>
-            <a:lvl3pPr marL="914400" indent="0">
-              <a:buNone/>
-              <a:defRPr sz="2400"/>
-            </a:lvl3pPr>
-            <a:lvl4pPr marL="1371600" indent="0">
-              <a:buNone/>
-              <a:defRPr sz="2000"/>
-            </a:lvl4pPr>
-            <a:lvl5pPr marL="1828800" indent="0">
-              <a:buNone/>
-              <a:defRPr sz="2000"/>
-            </a:lvl5pPr>
-            <a:lvl6pPr marL="2286000" indent="0">
-              <a:buNone/>
-              <a:defRPr sz="2000"/>
-            </a:lvl6pPr>
-            <a:lvl7pPr marL="2743200" indent="0">
-              <a:buNone/>
-              <a:defRPr sz="2000"/>
-            </a:lvl7pPr>
-            <a:lvl8pPr marL="3200400" indent="0">
-              <a:buNone/>
-              <a:defRPr sz="2000"/>
-            </a:lvl8pPr>
-            <a:lvl9pPr marL="3657600" indent="0">
-              <a:buNone/>
-              <a:defRPr sz="2000"/>
-            </a:lvl9pPr>
           </a:lstStyle>
           <a:p>
+            <a:pPr lvl="0" algn="ctr"/>
             <a:r>
               <a:rPr lang="ru-RU"/>
               <a:t>Вставка рисунка</a:t>
@@ -2729,8 +2433,8 @@
         </p:nvSpPr>
         <p:spPr>
           <a:xfrm>
-            <a:off x="1450329" y="3145992"/>
-            <a:ext cx="5524404" cy="2003742"/>
+            <a:off x="1450329" y="3059600"/>
+            <a:ext cx="5524404" cy="2090134"/>
           </a:xfrm>
         </p:spPr>
         <p:txBody>
@@ -2738,7 +2442,7 @@
             <a:normAutofit/>
           </a:bodyPr>
           <a:lstStyle>
-            <a:lvl1pPr marL="0" indent="0" algn="l">
+            <a:lvl1pPr marL="0" indent="0" algn="ctr">
               <a:buNone/>
               <a:defRPr sz="1800"/>
             </a:lvl1pPr>
@@ -2810,7 +2514,7 @@
           <a:p>
             <a:fld id="{2AFBD733-5E6E-42CA-9346-8CA31F67F21A}" type="datetimeFigureOut">
               <a:rPr lang="ru-RU" smtClean="0"/>
-              <a:t>29.10.2021</a:t>
+              <a:t>04.11.2021</a:t>
             </a:fld>
             <a:endParaRPr lang="ru-RU"/>
           </a:p>
@@ -2863,41 +2567,10 @@
           </a:p>
         </p:txBody>
       </p:sp>
-      <p:cxnSp>
-        <p:nvCxnSpPr>
-          <p:cNvPr id="31" name="Straight Connector 30"/>
-          <p:cNvCxnSpPr/>
-          <p:nvPr/>
-        </p:nvCxnSpPr>
-        <p:spPr>
-          <a:xfrm>
-            <a:off x="1447382" y="3143605"/>
-            <a:ext cx="5527351" cy="0"/>
-          </a:xfrm>
-          <a:prstGeom prst="line">
-            <a:avLst/>
-          </a:prstGeom>
-          <a:ln w="31750"/>
-        </p:spPr>
-        <p:style>
-          <a:lnRef idx="3">
-            <a:schemeClr val="accent1"/>
-          </a:lnRef>
-          <a:fillRef idx="0">
-            <a:schemeClr val="accent1"/>
-          </a:fillRef>
-          <a:effectRef idx="2">
-            <a:schemeClr val="accent1"/>
-          </a:effectRef>
-          <a:fontRef idx="minor">
-            <a:schemeClr val="tx1"/>
-          </a:fontRef>
-        </p:style>
-      </p:cxnSp>
     </p:spTree>
     <p:extLst>
       <p:ext uri="{BB962C8B-B14F-4D97-AF65-F5344CB8AC3E}">
-        <p14:creationId xmlns:p14="http://schemas.microsoft.com/office/powerpoint/2010/main" val="3302389594"/>
+        <p14:creationId xmlns:p14="http://schemas.microsoft.com/office/powerpoint/2010/main" val="1623900827"/>
       </p:ext>
     </p:extLst>
   </p:cSld>
@@ -2912,7 +2585,7 @@
   <p:cSld>
     <p:bg>
       <p:bgRef idx="1003">
-        <a:schemeClr val="bg2"/>
+        <a:schemeClr val="bg1"/>
       </p:bgRef>
     </p:bg>
     <p:spTree>
@@ -2931,14 +2604,226 @@
       </p:grpSpPr>
       <p:sp>
         <p:nvSpPr>
-          <p:cNvPr id="8" name="Rectangle 7"/>
+          <p:cNvPr id="2" name="Title Placeholder 1"/>
+          <p:cNvSpPr>
+            <a:spLocks noGrp="1"/>
+          </p:cNvSpPr>
+          <p:nvPr>
+            <p:ph type="title"/>
+          </p:nvPr>
+        </p:nvSpPr>
+        <p:spPr>
+          <a:xfrm>
+            <a:off x="1451579" y="804519"/>
+            <a:ext cx="9291215" cy="1049235"/>
+          </a:xfrm>
+          <a:prstGeom prst="rect">
+            <a:avLst/>
+          </a:prstGeom>
+        </p:spPr>
+        <p:txBody>
+          <a:bodyPr vert="horz" lIns="91440" tIns="45720" rIns="91440" bIns="45720" rtlCol="0" anchor="ctr">
+            <a:normAutofit/>
+          </a:bodyPr>
+          <a:lstStyle/>
+          <a:p>
+            <a:r>
+              <a:rPr lang="ru-RU"/>
+              <a:t>Образец заголовка</a:t>
+            </a:r>
+            <a:endParaRPr lang="en-US" dirty="0"/>
+          </a:p>
+        </p:txBody>
+      </p:sp>
+      <p:sp>
+        <p:nvSpPr>
+          <p:cNvPr id="3" name="Text Placeholder 2"/>
+          <p:cNvSpPr>
+            <a:spLocks noGrp="1"/>
+          </p:cNvSpPr>
+          <p:nvPr>
+            <p:ph type="body" idx="1"/>
+          </p:nvPr>
+        </p:nvSpPr>
+        <p:spPr>
+          <a:xfrm>
+            <a:off x="1451579" y="2015732"/>
+            <a:ext cx="9291215" cy="3450613"/>
+          </a:xfrm>
+          <a:prstGeom prst="rect">
+            <a:avLst/>
+          </a:prstGeom>
+        </p:spPr>
+        <p:txBody>
+          <a:bodyPr vert="horz" lIns="91440" tIns="45720" rIns="91440" bIns="45720" rtlCol="0">
+            <a:normAutofit/>
+          </a:bodyPr>
+          <a:lstStyle/>
+          <a:p>
+            <a:pPr lvl="0"/>
+            <a:r>
+              <a:rPr lang="ru-RU"/>
+              <a:t>Образец текста</a:t>
+            </a:r>
+          </a:p>
+          <a:p>
+            <a:pPr lvl="1"/>
+            <a:r>
+              <a:rPr lang="ru-RU"/>
+              <a:t>Второй уровень</a:t>
+            </a:r>
+          </a:p>
+          <a:p>
+            <a:pPr lvl="2"/>
+            <a:r>
+              <a:rPr lang="ru-RU"/>
+              <a:t>Третий уровень</a:t>
+            </a:r>
+          </a:p>
+          <a:p>
+            <a:pPr lvl="3"/>
+            <a:r>
+              <a:rPr lang="ru-RU"/>
+              <a:t>Четвертый уровень</a:t>
+            </a:r>
+          </a:p>
+          <a:p>
+            <a:pPr lvl="4"/>
+            <a:r>
+              <a:rPr lang="ru-RU"/>
+              <a:t>Пятый уровень</a:t>
+            </a:r>
+            <a:endParaRPr lang="en-US" dirty="0"/>
+          </a:p>
+        </p:txBody>
+      </p:sp>
+      <p:sp>
+        <p:nvSpPr>
+          <p:cNvPr id="4" name="Date Placeholder 3"/>
+          <p:cNvSpPr>
+            <a:spLocks noGrp="1"/>
+          </p:cNvSpPr>
+          <p:nvPr>
+            <p:ph type="dt" sz="half" idx="2"/>
+          </p:nvPr>
+        </p:nvSpPr>
+        <p:spPr>
+          <a:xfrm>
+            <a:off x="7242079" y="330370"/>
+            <a:ext cx="3500715" cy="309201"/>
+          </a:xfrm>
+          <a:prstGeom prst="rect">
+            <a:avLst/>
+          </a:prstGeom>
+        </p:spPr>
+        <p:txBody>
+          <a:bodyPr vert="horz" lIns="91440" tIns="45720" rIns="91440" bIns="45720" rtlCol="0" anchor="ctr"/>
+          <a:lstStyle>
+            <a:lvl1pPr algn="r">
+              <a:defRPr sz="1000">
+                <a:solidFill>
+                  <a:schemeClr val="tx1">
+                    <a:tint val="75000"/>
+                  </a:schemeClr>
+                </a:solidFill>
+              </a:defRPr>
+            </a:lvl1pPr>
+          </a:lstStyle>
+          <a:p>
+            <a:fld id="{2AFBD733-5E6E-42CA-9346-8CA31F67F21A}" type="datetimeFigureOut">
+              <a:rPr lang="ru-RU" smtClean="0"/>
+              <a:t>04.11.2021</a:t>
+            </a:fld>
+            <a:endParaRPr lang="ru-RU"/>
+          </a:p>
+        </p:txBody>
+      </p:sp>
+      <p:sp>
+        <p:nvSpPr>
+          <p:cNvPr id="5" name="Footer Placeholder 4"/>
+          <p:cNvSpPr>
+            <a:spLocks noGrp="1"/>
+          </p:cNvSpPr>
+          <p:nvPr>
+            <p:ph type="ftr" sz="quarter" idx="3"/>
+          </p:nvPr>
+        </p:nvSpPr>
+        <p:spPr>
+          <a:xfrm>
+            <a:off x="1451579" y="329307"/>
+            <a:ext cx="5626774" cy="309201"/>
+          </a:xfrm>
+          <a:prstGeom prst="rect">
+            <a:avLst/>
+          </a:prstGeom>
+        </p:spPr>
+        <p:txBody>
+          <a:bodyPr vert="horz" lIns="91440" tIns="45720" rIns="91440" bIns="45720" rtlCol="0" anchor="ctr"/>
+          <a:lstStyle>
+            <a:lvl1pPr algn="l">
+              <a:defRPr sz="1000">
+                <a:solidFill>
+                  <a:schemeClr val="tx1">
+                    <a:tint val="75000"/>
+                  </a:schemeClr>
+                </a:solidFill>
+              </a:defRPr>
+            </a:lvl1pPr>
+          </a:lstStyle>
+          <a:p>
+            <a:endParaRPr lang="ru-RU"/>
+          </a:p>
+        </p:txBody>
+      </p:sp>
+      <p:sp>
+        <p:nvSpPr>
+          <p:cNvPr id="6" name="Slide Number Placeholder 5"/>
+          <p:cNvSpPr>
+            <a:spLocks noGrp="1"/>
+          </p:cNvSpPr>
+          <p:nvPr>
+            <p:ph type="sldNum" sz="quarter" idx="4"/>
+          </p:nvPr>
+        </p:nvSpPr>
+        <p:spPr>
+          <a:xfrm>
+            <a:off x="480060" y="798973"/>
+            <a:ext cx="811019" cy="503578"/>
+          </a:xfrm>
+          <a:prstGeom prst="rect">
+            <a:avLst/>
+          </a:prstGeom>
+        </p:spPr>
+        <p:txBody>
+          <a:bodyPr vert="horz" lIns="91440" tIns="45720" rIns="91440" bIns="45720" rtlCol="0" anchor="t"/>
+          <a:lstStyle>
+            <a:lvl1pPr algn="r">
+              <a:defRPr sz="2800">
+                <a:solidFill>
+                  <a:schemeClr val="accent1"/>
+                </a:solidFill>
+              </a:defRPr>
+            </a:lvl1pPr>
+          </a:lstStyle>
+          <a:p>
+            <a:fld id="{51B57450-9DA8-493B-B190-9C6FD7CB1E6F}" type="slidenum">
+              <a:rPr lang="ru-RU" smtClean="0"/>
+              <a:t>‹#›</a:t>
+            </a:fld>
+            <a:endParaRPr lang="ru-RU"/>
+          </a:p>
+        </p:txBody>
+      </p:sp>
+      <p:sp>
+        <p:nvSpPr>
+          <p:cNvPr id="9" name="Rectangle 8"/>
           <p:cNvSpPr/>
           <p:nvPr/>
         </p:nvSpPr>
         <p:spPr>
           <a:xfrm>
-            <a:off x="0" y="2019476"/>
-            <a:ext cx="12192000" cy="4105941"/>
+            <a:off x="0" y="3622291"/>
+            <a:ext cx="12192000" cy="2505984"/>
           </a:xfrm>
           <a:prstGeom prst="rect">
             <a:avLst/>
@@ -2951,7 +2836,9 @@
                 </a:schemeClr>
               </a:gs>
               <a:gs pos="100000">
-                <a:schemeClr val="bg2"/>
+                <a:schemeClr val="bg2">
+                  <a:alpha val="80000"/>
+                </a:schemeClr>
               </a:gs>
             </a:gsLst>
             <a:lin ang="5400000" scaled="0"/>
@@ -2980,7 +2867,7 @@
       </p:sp>
       <p:pic>
         <p:nvPicPr>
-          <p:cNvPr id="7" name="Picture 6"/>
+          <p:cNvPr id="10" name="Picture 9"/>
           <p:cNvPicPr>
             <a:picLocks noChangeAspect="1"/>
           </p:cNvPicPr>
@@ -2997,9 +2884,9 @@
           <a:srcRect t="1538" b="-1538"/>
           <a:stretch/>
         </p:blipFill>
-        <p:spPr bwMode="black">
-          <a:xfrm>
-            <a:off x="0" y="6126480"/>
+        <p:spPr>
+          <a:xfrm>
+            <a:off x="0" y="6129338"/>
             <a:ext cx="12192000" cy="742950"/>
           </a:xfrm>
           <a:prstGeom prst="rect">
@@ -3007,227 +2894,15 @@
           </a:prstGeom>
         </p:spPr>
       </p:pic>
-      <p:sp>
-        <p:nvSpPr>
-          <p:cNvPr id="2" name="Title Placeholder 1"/>
-          <p:cNvSpPr>
-            <a:spLocks noGrp="1"/>
-          </p:cNvSpPr>
-          <p:nvPr>
-            <p:ph type="title"/>
-          </p:nvPr>
-        </p:nvSpPr>
-        <p:spPr>
-          <a:xfrm>
-            <a:off x="1451579" y="804519"/>
-            <a:ext cx="9603275" cy="1049235"/>
-          </a:xfrm>
-          <a:prstGeom prst="rect">
-            <a:avLst/>
-          </a:prstGeom>
-        </p:spPr>
-        <p:txBody>
-          <a:bodyPr vert="horz" lIns="91440" tIns="45720" rIns="91440" bIns="45720" rtlCol="0" anchor="t">
-            <a:normAutofit/>
-          </a:bodyPr>
-          <a:lstStyle/>
-          <a:p>
-            <a:r>
-              <a:rPr lang="ru-RU"/>
-              <a:t>Образец заголовка</a:t>
-            </a:r>
-            <a:endParaRPr lang="en-US" dirty="0"/>
-          </a:p>
-        </p:txBody>
-      </p:sp>
-      <p:sp>
-        <p:nvSpPr>
-          <p:cNvPr id="3" name="Text Placeholder 2"/>
-          <p:cNvSpPr>
-            <a:spLocks noGrp="1"/>
-          </p:cNvSpPr>
-          <p:nvPr>
-            <p:ph type="body" idx="1"/>
-          </p:nvPr>
-        </p:nvSpPr>
-        <p:spPr>
-          <a:xfrm>
-            <a:off x="1451579" y="2015732"/>
-            <a:ext cx="9603275" cy="3450613"/>
-          </a:xfrm>
-          <a:prstGeom prst="rect">
-            <a:avLst/>
-          </a:prstGeom>
-        </p:spPr>
-        <p:txBody>
-          <a:bodyPr vert="horz" lIns="91440" tIns="45720" rIns="91440" bIns="45720" rtlCol="0">
-            <a:normAutofit/>
-          </a:bodyPr>
-          <a:lstStyle/>
-          <a:p>
-            <a:pPr lvl="0"/>
-            <a:r>
-              <a:rPr lang="ru-RU"/>
-              <a:t>Образец текста</a:t>
-            </a:r>
-          </a:p>
-          <a:p>
-            <a:pPr lvl="1"/>
-            <a:r>
-              <a:rPr lang="ru-RU"/>
-              <a:t>Второй уровень</a:t>
-            </a:r>
-          </a:p>
-          <a:p>
-            <a:pPr lvl="2"/>
-            <a:r>
-              <a:rPr lang="ru-RU"/>
-              <a:t>Третий уровень</a:t>
-            </a:r>
-          </a:p>
-          <a:p>
-            <a:pPr lvl="3"/>
-            <a:r>
-              <a:rPr lang="ru-RU"/>
-              <a:t>Четвертый уровень</a:t>
-            </a:r>
-          </a:p>
-          <a:p>
-            <a:pPr lvl="4"/>
-            <a:r>
-              <a:rPr lang="ru-RU"/>
-              <a:t>Пятый уровень</a:t>
-            </a:r>
-            <a:endParaRPr lang="en-US" dirty="0"/>
-          </a:p>
-        </p:txBody>
-      </p:sp>
-      <p:sp>
-        <p:nvSpPr>
-          <p:cNvPr id="4" name="Date Placeholder 3"/>
-          <p:cNvSpPr>
-            <a:spLocks noGrp="1"/>
-          </p:cNvSpPr>
-          <p:nvPr>
-            <p:ph type="dt" sz="half" idx="2"/>
-          </p:nvPr>
-        </p:nvSpPr>
-        <p:spPr>
-          <a:xfrm>
-            <a:off x="7554138" y="330370"/>
-            <a:ext cx="3500715" cy="309201"/>
-          </a:xfrm>
-          <a:prstGeom prst="rect">
-            <a:avLst/>
-          </a:prstGeom>
-        </p:spPr>
-        <p:txBody>
-          <a:bodyPr vert="horz" lIns="91440" tIns="45720" rIns="91440" bIns="45720" rtlCol="0" anchor="ctr"/>
-          <a:lstStyle>
-            <a:lvl1pPr algn="r">
-              <a:defRPr sz="1000">
-                <a:solidFill>
-                  <a:schemeClr val="tx1">
-                    <a:tint val="75000"/>
-                  </a:schemeClr>
-                </a:solidFill>
-              </a:defRPr>
-            </a:lvl1pPr>
-          </a:lstStyle>
-          <a:p>
-            <a:fld id="{2AFBD733-5E6E-42CA-9346-8CA31F67F21A}" type="datetimeFigureOut">
-              <a:rPr lang="ru-RU" smtClean="0"/>
-              <a:t>29.10.2021</a:t>
-            </a:fld>
-            <a:endParaRPr lang="ru-RU"/>
-          </a:p>
-        </p:txBody>
-      </p:sp>
-      <p:sp>
-        <p:nvSpPr>
-          <p:cNvPr id="5" name="Footer Placeholder 4"/>
-          <p:cNvSpPr>
-            <a:spLocks noGrp="1"/>
-          </p:cNvSpPr>
-          <p:nvPr>
-            <p:ph type="ftr" sz="quarter" idx="3"/>
-          </p:nvPr>
-        </p:nvSpPr>
-        <p:spPr>
-          <a:xfrm>
-            <a:off x="1451579" y="329307"/>
-            <a:ext cx="5938836" cy="309201"/>
-          </a:xfrm>
-          <a:prstGeom prst="rect">
-            <a:avLst/>
-          </a:prstGeom>
-        </p:spPr>
-        <p:txBody>
-          <a:bodyPr vert="horz" lIns="91440" tIns="45720" rIns="91440" bIns="45720" rtlCol="0" anchor="ctr"/>
-          <a:lstStyle>
-            <a:lvl1pPr algn="l">
-              <a:defRPr sz="1000">
-                <a:solidFill>
-                  <a:schemeClr val="tx1">
-                    <a:tint val="75000"/>
-                  </a:schemeClr>
-                </a:solidFill>
-              </a:defRPr>
-            </a:lvl1pPr>
-          </a:lstStyle>
-          <a:p>
-            <a:endParaRPr lang="ru-RU"/>
-          </a:p>
-        </p:txBody>
-      </p:sp>
-      <p:sp>
-        <p:nvSpPr>
-          <p:cNvPr id="6" name="Slide Number Placeholder 5"/>
-          <p:cNvSpPr>
-            <a:spLocks noGrp="1"/>
-          </p:cNvSpPr>
-          <p:nvPr>
-            <p:ph type="sldNum" sz="quarter" idx="4"/>
-          </p:nvPr>
-        </p:nvSpPr>
-        <p:spPr>
-          <a:xfrm>
-            <a:off x="480060" y="798973"/>
-            <a:ext cx="811019" cy="503578"/>
-          </a:xfrm>
-          <a:prstGeom prst="rect">
-            <a:avLst/>
-          </a:prstGeom>
-        </p:spPr>
-        <p:txBody>
-          <a:bodyPr vert="horz" lIns="91440" tIns="45720" rIns="91440" bIns="45720" rtlCol="0" anchor="t"/>
-          <a:lstStyle>
-            <a:lvl1pPr algn="r">
-              <a:defRPr sz="2800">
-                <a:solidFill>
-                  <a:schemeClr val="accent1"/>
-                </a:solidFill>
-              </a:defRPr>
-            </a:lvl1pPr>
-          </a:lstStyle>
-          <a:p>
-            <a:fld id="{51B57450-9DA8-493B-B190-9C6FD7CB1E6F}" type="slidenum">
-              <a:rPr lang="ru-RU" smtClean="0"/>
-              <a:t>‹#›</a:t>
-            </a:fld>
-            <a:endParaRPr lang="ru-RU"/>
-          </a:p>
-        </p:txBody>
-      </p:sp>
       <p:cxnSp>
         <p:nvCxnSpPr>
-          <p:cNvPr id="10" name="Straight Connector 9"/>
+          <p:cNvPr id="12" name="Straight Connector 11"/>
           <p:cNvCxnSpPr/>
           <p:nvPr/>
         </p:nvCxnSpPr>
         <p:spPr>
           <a:xfrm>
-            <a:off x="0" y="6128413"/>
+            <a:off x="0" y="6138142"/>
             <a:ext cx="12192000" cy="0"/>
           </a:xfrm>
           <a:prstGeom prst="line">
@@ -3259,27 +2934,27 @@
     </p:spTree>
     <p:extLst>
       <p:ext uri="{BB962C8B-B14F-4D97-AF65-F5344CB8AC3E}">
-        <p14:creationId xmlns:p14="http://schemas.microsoft.com/office/powerpoint/2010/main" val="527092852"/>
+        <p14:creationId xmlns:p14="http://schemas.microsoft.com/office/powerpoint/2010/main" val="2285458352"/>
       </p:ext>
     </p:extLst>
   </p:cSld>
-  <p:clrMap bg1="lt1" tx1="dk1" bg2="lt2" tx2="dk2" accent1="accent1" accent2="accent2" accent3="accent3" accent4="accent4" accent5="accent5" accent6="accent6" hlink="hlink" folHlink="folHlink"/>
+  <p:clrMap bg1="dk1" tx1="lt1" bg2="dk2" tx2="lt2" accent1="accent1" accent2="accent2" accent3="accent3" accent4="accent4" accent5="accent5" accent6="accent6" hlink="hlink" folHlink="folHlink"/>
   <p:sldLayoutIdLst>
-    <p:sldLayoutId id="2147483661" r:id="rId1"/>
-    <p:sldLayoutId id="2147483662" r:id="rId2"/>
-    <p:sldLayoutId id="2147483663" r:id="rId3"/>
-    <p:sldLayoutId id="2147483664" r:id="rId4"/>
-    <p:sldLayoutId id="2147483665" r:id="rId5"/>
-    <p:sldLayoutId id="2147483666" r:id="rId6"/>
-    <p:sldLayoutId id="2147483667" r:id="rId7"/>
-    <p:sldLayoutId id="2147483668" r:id="rId8"/>
-    <p:sldLayoutId id="2147483669" r:id="rId9"/>
-    <p:sldLayoutId id="2147483670" r:id="rId10"/>
-    <p:sldLayoutId id="2147483671" r:id="rId11"/>
+    <p:sldLayoutId id="2147483673" r:id="rId1"/>
+    <p:sldLayoutId id="2147483674" r:id="rId2"/>
+    <p:sldLayoutId id="2147483675" r:id="rId3"/>
+    <p:sldLayoutId id="2147483676" r:id="rId4"/>
+    <p:sldLayoutId id="2147483677" r:id="rId5"/>
+    <p:sldLayoutId id="2147483678" r:id="rId6"/>
+    <p:sldLayoutId id="2147483679" r:id="rId7"/>
+    <p:sldLayoutId id="2147483680" r:id="rId8"/>
+    <p:sldLayoutId id="2147483681" r:id="rId9"/>
+    <p:sldLayoutId id="2147483682" r:id="rId10"/>
+    <p:sldLayoutId id="2147483683" r:id="rId11"/>
   </p:sldLayoutIdLst>
   <p:txStyles>
     <p:titleStyle>
-      <a:lvl1pPr algn="l" defTabSz="914400" rtl="0" eaLnBrk="1" latinLnBrk="0" hangingPunct="1">
+      <a:lvl1pPr algn="ctr" defTabSz="914400" rtl="0" eaLnBrk="1" latinLnBrk="0" hangingPunct="1">
         <a:lnSpc>
           <a:spcPct val="90000"/>
         </a:lnSpc>
@@ -3289,7 +2964,7 @@
         <a:buNone/>
         <a:defRPr sz="3200" b="0" i="0" kern="1200" cap="all">
           <a:solidFill>
-            <a:schemeClr val="tx1"/>
+            <a:schemeClr val="accent1"/>
           </a:solidFill>
           <a:effectLst/>
           <a:latin typeface="+mj-lt"/>
@@ -3609,6 +3284,30 @@
 <file path=ppt/slides/slide1.xml><?xml version="1.0" encoding="utf-8"?>
 <p:sld xmlns:a="http://schemas.openxmlformats.org/drawingml/2006/main" xmlns:r="http://schemas.openxmlformats.org/officeDocument/2006/relationships" xmlns:p="http://schemas.openxmlformats.org/presentationml/2006/main">
   <p:cSld>
+    <p:bg>
+      <p:bgPr>
+        <a:gradFill rotWithShape="1">
+          <a:gsLst>
+            <a:gs pos="0">
+              <a:schemeClr val="bg1">
+                <a:tint val="94000"/>
+                <a:satMod val="80000"/>
+                <a:lumMod val="106000"/>
+              </a:schemeClr>
+            </a:gs>
+            <a:gs pos="100000">
+              <a:schemeClr val="bg1">
+                <a:shade val="80000"/>
+              </a:schemeClr>
+            </a:gs>
+          </a:gsLst>
+          <a:path path="circle">
+            <a:fillToRect l="43000" r="43000" b="100000"/>
+          </a:path>
+        </a:gradFill>
+        <a:effectLst/>
+      </p:bgPr>
+    </p:bg>
     <p:spTree>
       <p:nvGrpSpPr>
         <p:cNvPr id="1" name=""/>
@@ -3623,6 +3322,98 @@
           <a:chExt cx="0" cy="0"/>
         </a:xfrm>
       </p:grpSpPr>
+      <p:pic>
+        <p:nvPicPr>
+          <p:cNvPr id="5" name="Picture 4">
+            <a:extLst>
+              <a:ext uri="{FF2B5EF4-FFF2-40B4-BE49-F238E27FC236}">
+                <a16:creationId xmlns:a16="http://schemas.microsoft.com/office/drawing/2014/main" id="{A7311778-943B-4404-ACAF-184AA7865E60}"/>
+              </a:ext>
+            </a:extLst>
+          </p:cNvPr>
+          <p:cNvPicPr>
+            <a:picLocks noChangeAspect="1"/>
+          </p:cNvPicPr>
+          <p:nvPr/>
+        </p:nvPicPr>
+        <p:blipFill rotWithShape="1">
+          <a:blip r:embed="rId2"/>
+          <a:srcRect l="11113"/>
+          <a:stretch/>
+        </p:blipFill>
+        <p:spPr>
+          <a:xfrm>
+            <a:off x="2" y="10"/>
+            <a:ext cx="12191695" cy="6857990"/>
+          </a:xfrm>
+          <a:prstGeom prst="rect">
+            <a:avLst/>
+          </a:prstGeom>
+        </p:spPr>
+      </p:pic>
+      <p:sp>
+        <p:nvSpPr>
+          <p:cNvPr id="9" name="Rectangle 8">
+            <a:extLst>
+              <a:ext uri="{FF2B5EF4-FFF2-40B4-BE49-F238E27FC236}">
+                <a16:creationId xmlns:a16="http://schemas.microsoft.com/office/drawing/2014/main" id="{758BF2A9-3176-445B-8155-3DE9C796844D}"/>
+              </a:ext>
+              <a:ext uri="{C183D7F6-B498-43B3-948B-1728B52AA6E4}">
+                <adec:decorative xmlns:adec="http://schemas.microsoft.com/office/drawing/2017/decorative" val="1"/>
+              </a:ext>
+            </a:extLst>
+          </p:cNvPr>
+          <p:cNvSpPr>
+            <a:spLocks noGrp="1" noRot="1" noChangeAspect="1" noMove="1" noResize="1" noEditPoints="1" noAdjustHandles="1" noChangeArrowheads="1" noChangeShapeType="1" noTextEdit="1"/>
+          </p:cNvSpPr>
+          <p:nvPr>
+            <p:extLst>
+              <p:ext uri="{386F3935-93C4-4BCD-93E2-E3B085C9AB24}">
+                <p16:designElem xmlns:p16="http://schemas.microsoft.com/office/powerpoint/2015/main" val="1"/>
+              </p:ext>
+            </p:extLst>
+          </p:nvPr>
+        </p:nvSpPr>
+        <p:spPr>
+          <a:xfrm>
+            <a:off x="3896786" y="3064931"/>
+            <a:ext cx="8295215" cy="2488568"/>
+          </a:xfrm>
+          <a:prstGeom prst="rect">
+            <a:avLst/>
+          </a:prstGeom>
+          <a:solidFill>
+            <a:srgbClr val="000001">
+              <a:alpha val="75000"/>
+            </a:srgbClr>
+          </a:solidFill>
+          <a:ln>
+            <a:noFill/>
+          </a:ln>
+        </p:spPr>
+        <p:style>
+          <a:lnRef idx="1">
+            <a:schemeClr val="accent1"/>
+          </a:lnRef>
+          <a:fillRef idx="3">
+            <a:schemeClr val="accent1"/>
+          </a:fillRef>
+          <a:effectRef idx="2">
+            <a:schemeClr val="accent1"/>
+          </a:effectRef>
+          <a:fontRef idx="minor">
+            <a:schemeClr val="lt1"/>
+          </a:fontRef>
+        </p:style>
+        <p:txBody>
+          <a:bodyPr rtlCol="0" anchor="ctr"/>
+          <a:lstStyle/>
+          <a:p>
+            <a:pPr algn="ctr"/>
+            <a:endParaRPr lang="en-US"/>
+          </a:p>
+        </p:txBody>
+      </p:sp>
       <p:sp>
         <p:nvSpPr>
           <p:cNvPr id="2" name="Заголовок 1">
@@ -3639,12 +3430,20 @@
             <p:ph type="ctrTitle"/>
           </p:nvPr>
         </p:nvSpPr>
-        <p:spPr/>
-        <p:txBody>
-          <a:bodyPr/>
-          <a:lstStyle/>
-          <a:p>
-            <a:endParaRPr lang="ru-RU"/>
+        <p:spPr>
+          <a:xfrm>
+            <a:off x="4065511" y="3236470"/>
+            <a:ext cx="6832500" cy="1431984"/>
+          </a:xfrm>
+        </p:spPr>
+        <p:txBody>
+          <a:bodyPr>
+            <a:normAutofit/>
+          </a:bodyPr>
+          <a:lstStyle/>
+          <a:p>
+            <a:pPr algn="l"/>
+            <a:endParaRPr lang="ru-RU" sz="4400" dirty="0"/>
           </a:p>
         </p:txBody>
       </p:sp>
@@ -3664,12 +3463,24 @@
             <p:ph type="subTitle" idx="1"/>
           </p:nvPr>
         </p:nvSpPr>
-        <p:spPr/>
-        <p:txBody>
-          <a:bodyPr/>
-          <a:lstStyle/>
-          <a:p>
-            <a:endParaRPr lang="ru-RU"/>
+        <p:spPr>
+          <a:xfrm>
+            <a:off x="4065511" y="4669144"/>
+            <a:ext cx="6832499" cy="716529"/>
+          </a:xfrm>
+        </p:spPr>
+        <p:txBody>
+          <a:bodyPr>
+            <a:normAutofit/>
+          </a:bodyPr>
+          <a:lstStyle/>
+          <a:p>
+            <a:pPr algn="l"/>
+            <a:endParaRPr lang="ru-RU" sz="1600" dirty="0">
+              <a:solidFill>
+                <a:srgbClr val="FFFFFE"/>
+              </a:solidFill>
+            </a:endParaRPr>
           </a:p>
         </p:txBody>
       </p:sp>
@@ -3727,140 +3538,6 @@
           <a:chExt cx="0" cy="0"/>
         </a:xfrm>
       </p:grpSpPr>
-      <p:sp useBgFill="1">
-        <p:nvSpPr>
-          <p:cNvPr id="8" name="Rectangle 7">
-            <a:extLst>
-              <a:ext uri="{FF2B5EF4-FFF2-40B4-BE49-F238E27FC236}">
-                <a16:creationId xmlns:a16="http://schemas.microsoft.com/office/drawing/2014/main" id="{54F891EB-ED45-44C3-95D6-FFB2EC07FA10}"/>
-              </a:ext>
-              <a:ext uri="{C183D7F6-B498-43B3-948B-1728B52AA6E4}">
-                <adec:decorative xmlns:adec="http://schemas.microsoft.com/office/drawing/2017/decorative" val="1"/>
-              </a:ext>
-            </a:extLst>
-          </p:cNvPr>
-          <p:cNvSpPr>
-            <a:spLocks noGrp="1" noRot="1" noChangeAspect="1" noMove="1" noResize="1" noEditPoints="1" noAdjustHandles="1" noChangeArrowheads="1" noChangeShapeType="1" noTextEdit="1"/>
-          </p:cNvSpPr>
-          <p:nvPr>
-            <p:extLst>
-              <p:ext uri="{386F3935-93C4-4BCD-93E2-E3B085C9AB24}">
-                <p16:designElem xmlns:p16="http://schemas.microsoft.com/office/powerpoint/2015/main" val="1"/>
-              </p:ext>
-            </p:extLst>
-          </p:nvPr>
-        </p:nvSpPr>
-        <p:spPr>
-          <a:xfrm>
-            <a:off x="2" y="0"/>
-            <a:ext cx="12191695" cy="6858000"/>
-          </a:xfrm>
-          <a:prstGeom prst="rect">
-            <a:avLst/>
-          </a:prstGeom>
-          <a:ln>
-            <a:noFill/>
-          </a:ln>
-        </p:spPr>
-        <p:style>
-          <a:lnRef idx="2">
-            <a:schemeClr val="accent1">
-              <a:shade val="50000"/>
-            </a:schemeClr>
-          </a:lnRef>
-          <a:fillRef idx="1">
-            <a:schemeClr val="accent1"/>
-          </a:fillRef>
-          <a:effectRef idx="0">
-            <a:schemeClr val="accent1"/>
-          </a:effectRef>
-          <a:fontRef idx="minor">
-            <a:schemeClr val="lt1"/>
-          </a:fontRef>
-        </p:style>
-        <p:txBody>
-          <a:bodyPr rtlCol="0" anchor="ctr"/>
-          <a:lstStyle/>
-          <a:p>
-            <a:pPr algn="ctr"/>
-            <a:endParaRPr lang="en-US"/>
-          </a:p>
-        </p:txBody>
-      </p:sp>
-      <p:sp>
-        <p:nvSpPr>
-          <p:cNvPr id="10" name="Rectangle 9">
-            <a:extLst>
-              <a:ext uri="{FF2B5EF4-FFF2-40B4-BE49-F238E27FC236}">
-                <a16:creationId xmlns:a16="http://schemas.microsoft.com/office/drawing/2014/main" id="{2EA385B8-7C85-4CE0-AE3A-00EB627B3443}"/>
-              </a:ext>
-              <a:ext uri="{C183D7F6-B498-43B3-948B-1728B52AA6E4}">
-                <adec:decorative xmlns:adec="http://schemas.microsoft.com/office/drawing/2017/decorative" val="1"/>
-              </a:ext>
-            </a:extLst>
-          </p:cNvPr>
-          <p:cNvSpPr>
-            <a:spLocks noGrp="1" noRot="1" noChangeAspect="1" noMove="1" noResize="1" noEditPoints="1" noAdjustHandles="1" noChangeArrowheads="1" noChangeShapeType="1" noTextEdit="1"/>
-          </p:cNvSpPr>
-          <p:nvPr>
-            <p:extLst>
-              <p:ext uri="{386F3935-93C4-4BCD-93E2-E3B085C9AB24}">
-                <p16:designElem xmlns:p16="http://schemas.microsoft.com/office/powerpoint/2015/main" val="1"/>
-              </p:ext>
-            </p:extLst>
-          </p:nvPr>
-        </p:nvSpPr>
-        <p:spPr>
-          <a:xfrm>
-            <a:off x="0" y="2019476"/>
-            <a:ext cx="12192000" cy="4105941"/>
-          </a:xfrm>
-          <a:prstGeom prst="rect">
-            <a:avLst/>
-          </a:prstGeom>
-          <a:gradFill flip="none" rotWithShape="1">
-            <a:gsLst>
-              <a:gs pos="0">
-                <a:schemeClr val="bg2">
-                  <a:alpha val="0"/>
-                </a:schemeClr>
-              </a:gs>
-              <a:gs pos="100000">
-                <a:schemeClr val="bg2"/>
-              </a:gs>
-            </a:gsLst>
-            <a:lin ang="5400000" scaled="0"/>
-            <a:tileRect/>
-          </a:gradFill>
-          <a:ln>
-            <a:noFill/>
-          </a:ln>
-        </p:spPr>
-        <p:style>
-          <a:lnRef idx="2">
-            <a:schemeClr val="accent1">
-              <a:shade val="50000"/>
-            </a:schemeClr>
-          </a:lnRef>
-          <a:fillRef idx="1">
-            <a:schemeClr val="accent1"/>
-          </a:fillRef>
-          <a:effectRef idx="0">
-            <a:schemeClr val="accent1"/>
-          </a:effectRef>
-          <a:fontRef idx="minor">
-            <a:schemeClr val="lt1"/>
-          </a:fontRef>
-        </p:style>
-        <p:txBody>
-          <a:bodyPr rtlCol="0" anchor="ctr"/>
-          <a:lstStyle/>
-          <a:p>
-            <a:pPr lvl="0" algn="ctr"/>
-            <a:endParaRPr lang="en-US"/>
-          </a:p>
-        </p:txBody>
-      </p:sp>
       <p:sp>
         <p:nvSpPr>
           <p:cNvPr id="2" name="Заголовок 1">
@@ -3879,8 +3556,8 @@
         </p:nvSpPr>
         <p:spPr>
           <a:xfrm>
-            <a:off x="8430015" y="804519"/>
-            <a:ext cx="3281924" cy="4431360"/>
+            <a:off x="1451206" y="403374"/>
+            <a:ext cx="5532328" cy="1922299"/>
           </a:xfrm>
         </p:spPr>
         <p:txBody>
@@ -3899,10 +3576,10 @@
       </p:sp>
       <p:sp>
         <p:nvSpPr>
-          <p:cNvPr id="3" name="Объект 2">
+          <p:cNvPr id="4" name="Рисунок 3">
             <a:extLst>
               <a:ext uri="{FF2B5EF4-FFF2-40B4-BE49-F238E27FC236}">
-                <a16:creationId xmlns:a16="http://schemas.microsoft.com/office/drawing/2014/main" id="{40E12530-E3B8-4CA2-95E8-FCEF137EB072}"/>
+                <a16:creationId xmlns:a16="http://schemas.microsoft.com/office/drawing/2014/main" id="{C081E55E-1694-468D-81F3-8BA1109111CB}"/>
               </a:ext>
             </a:extLst>
           </p:cNvPr>
@@ -3910,121 +3587,41 @@
             <a:spLocks noGrp="1"/>
           </p:cNvSpPr>
           <p:nvPr>
-            <p:ph idx="1"/>
-          </p:nvPr>
-        </p:nvSpPr>
-        <p:spPr>
-          <a:xfrm>
-            <a:off x="1451579" y="804520"/>
-            <a:ext cx="6102559" cy="4431359"/>
-          </a:xfrm>
-        </p:spPr>
-        <p:txBody>
-          <a:bodyPr>
-            <a:normAutofit/>
-          </a:bodyPr>
-          <a:lstStyle/>
-          <a:p>
-            <a:endParaRPr lang="ru-RU"/>
-          </a:p>
-        </p:txBody>
-      </p:sp>
-      <p:cxnSp>
-        <p:nvCxnSpPr>
-          <p:cNvPr id="12" name="Straight Connector 11">
+            <p:ph type="pic" idx="1"/>
+          </p:nvPr>
+        </p:nvSpPr>
+        <p:spPr/>
+      </p:sp>
+      <p:sp>
+        <p:nvSpPr>
+          <p:cNvPr id="5" name="Текст 4">
             <a:extLst>
               <a:ext uri="{FF2B5EF4-FFF2-40B4-BE49-F238E27FC236}">
-                <a16:creationId xmlns:a16="http://schemas.microsoft.com/office/drawing/2014/main" id="{19AF263B-E208-40DF-A182-5193478DCFA4}"/>
-              </a:ext>
-              <a:ext uri="{C183D7F6-B498-43B3-948B-1728B52AA6E4}">
-                <adec:decorative xmlns:adec="http://schemas.microsoft.com/office/drawing/2017/decorative" val="1"/>
+                <a16:creationId xmlns:a16="http://schemas.microsoft.com/office/drawing/2014/main" id="{7C898CFE-358A-4128-9122-AE15632EA6DC}"/>
               </a:ext>
             </a:extLst>
           </p:cNvPr>
-          <p:cNvCxnSpPr>
-            <a:cxnSpLocks noGrp="1" noRot="1" noChangeAspect="1" noMove="1" noResize="1" noEditPoints="1" noAdjustHandles="1" noChangeArrowheads="1" noChangeShapeType="1"/>
-          </p:cNvCxnSpPr>
-          <p:nvPr>
-            <p:extLst>
-              <p:ext uri="{386F3935-93C4-4BCD-93E2-E3B085C9AB24}">
-                <p16:designElem xmlns:p16="http://schemas.microsoft.com/office/powerpoint/2015/main" val="1"/>
-              </p:ext>
-            </p:extLst>
-          </p:nvPr>
-        </p:nvCxnSpPr>
-        <p:spPr>
-          <a:xfrm>
-            <a:off x="7982456" y="890353"/>
-            <a:ext cx="0" cy="4572000"/>
-          </a:xfrm>
-          <a:prstGeom prst="line">
-            <a:avLst/>
-          </a:prstGeom>
-          <a:ln w="31750">
-            <a:solidFill>
-              <a:schemeClr val="accent1"/>
-            </a:solidFill>
-          </a:ln>
-        </p:spPr>
-        <p:style>
-          <a:lnRef idx="1">
-            <a:schemeClr val="accent1"/>
-          </a:lnRef>
-          <a:fillRef idx="0">
-            <a:schemeClr val="accent1"/>
-          </a:fillRef>
-          <a:effectRef idx="0">
-            <a:schemeClr val="accent1"/>
-          </a:effectRef>
-          <a:fontRef idx="minor">
-            <a:schemeClr val="tx1"/>
-          </a:fontRef>
-        </p:style>
-      </p:cxnSp>
-      <p:pic>
-        <p:nvPicPr>
-          <p:cNvPr id="14" name="Picture 13">
-            <a:extLst>
-              <a:ext uri="{FF2B5EF4-FFF2-40B4-BE49-F238E27FC236}">
-                <a16:creationId xmlns:a16="http://schemas.microsoft.com/office/drawing/2014/main" id="{DCC0100C-A457-45B1-8A8B-8740F43EC158}"/>
-              </a:ext>
-              <a:ext uri="{C183D7F6-B498-43B3-948B-1728B52AA6E4}">
-                <adec:decorative xmlns:adec="http://schemas.microsoft.com/office/drawing/2017/decorative" val="1"/>
-              </a:ext>
-            </a:extLst>
-          </p:cNvPr>
-          <p:cNvPicPr>
-            <a:picLocks noGrp="1" noRot="1" noChangeAspect="1" noMove="1" noResize="1" noEditPoints="1" noAdjustHandles="1" noChangeArrowheads="1" noChangeShapeType="1" noCrop="1"/>
-          </p:cNvPicPr>
-          <p:nvPr>
-            <p:extLst>
-              <p:ext uri="{386F3935-93C4-4BCD-93E2-E3B085C9AB24}">
-                <p16:designElem xmlns:p16="http://schemas.microsoft.com/office/powerpoint/2015/main" val="1"/>
-              </p:ext>
-            </p:extLst>
-          </p:nvPr>
-        </p:nvPicPr>
-        <p:blipFill rotWithShape="1">
-          <a:blip r:embed="rId2">
-            <a:extLst>
-              <a:ext uri="{28A0092B-C50C-407E-A947-70E740481C1C}">
-                <a14:useLocalDpi xmlns:a14="http://schemas.microsoft.com/office/drawing/2010/main" val="0"/>
-              </a:ext>
-            </a:extLst>
-          </a:blip>
-          <a:srcRect t="1538" b="-1538"/>
-          <a:stretch/>
-        </p:blipFill>
-        <p:spPr bwMode="black">
-          <a:xfrm>
-            <a:off x="0" y="6126480"/>
-            <a:ext cx="12192000" cy="742950"/>
-          </a:xfrm>
-          <a:prstGeom prst="rect">
-            <a:avLst/>
-          </a:prstGeom>
-        </p:spPr>
-      </p:pic>
+          <p:cNvSpPr>
+            <a:spLocks noGrp="1"/>
+          </p:cNvSpPr>
+          <p:nvPr>
+            <p:ph type="body" sz="half" idx="2"/>
+          </p:nvPr>
+        </p:nvSpPr>
+        <p:spPr>
+          <a:xfrm>
+            <a:off x="1450329" y="2467932"/>
+            <a:ext cx="5524404" cy="2090134"/>
+          </a:xfrm>
+        </p:spPr>
+        <p:txBody>
+          <a:bodyPr/>
+          <a:lstStyle/>
+          <a:p>
+            <a:endParaRPr lang="ru-RU" dirty="0"/>
+          </a:p>
+        </p:txBody>
+      </p:sp>
     </p:spTree>
     <p:extLst>
       <p:ext uri="{BB962C8B-B14F-4D97-AF65-F5344CB8AC3E}">
@@ -4046,20 +3643,20 @@
         <a:gradFill rotWithShape="1">
           <a:gsLst>
             <a:gs pos="0">
-              <a:schemeClr val="bg2">
+              <a:schemeClr val="bg1">
                 <a:tint val="94000"/>
                 <a:satMod val="80000"/>
                 <a:lumMod val="106000"/>
               </a:schemeClr>
             </a:gs>
             <a:gs pos="100000">
-              <a:schemeClr val="bg2">
+              <a:schemeClr val="bg1">
                 <a:shade val="80000"/>
               </a:schemeClr>
             </a:gs>
           </a:gsLst>
           <a:path path="circle">
-            <a:fillToRect l="50000" t="50000" r="50000" b="50000"/>
+            <a:fillToRect l="43000" r="43000" b="100000"/>
           </a:path>
         </a:gradFill>
         <a:effectLst/>
@@ -4081,10 +3678,10 @@
       </p:grpSpPr>
       <p:sp useBgFill="1">
         <p:nvSpPr>
-          <p:cNvPr id="8" name="Rectangle 7">
+          <p:cNvPr id="9" name="Rectangle 8">
             <a:extLst>
               <a:ext uri="{FF2B5EF4-FFF2-40B4-BE49-F238E27FC236}">
-                <a16:creationId xmlns:a16="http://schemas.microsoft.com/office/drawing/2014/main" id="{FD6EDB49-211E-499D-9A08-6C5FF3D060F7}"/>
+                <a16:creationId xmlns:a16="http://schemas.microsoft.com/office/drawing/2014/main" id="{F63C748C-967B-4A7B-A90F-3EDD0F485AC6}"/>
               </a:ext>
               <a:ext uri="{C183D7F6-B498-43B3-948B-1728B52AA6E4}">
                 <adec:decorative xmlns:adec="http://schemas.microsoft.com/office/drawing/2017/decorative" val="1"/>
@@ -4104,7 +3701,7 @@
         </p:nvSpPr>
         <p:spPr>
           <a:xfrm>
-            <a:off x="2" y="0"/>
+            <a:off x="303" y="0"/>
             <a:ext cx="12191695" cy="6858000"/>
           </a:xfrm>
           <a:prstGeom prst="rect">
@@ -4141,10 +3738,10 @@
       </p:sp>
       <p:sp>
         <p:nvSpPr>
-          <p:cNvPr id="10" name="Rectangle 9">
+          <p:cNvPr id="11" name="Rectangle 10">
             <a:extLst>
               <a:ext uri="{FF2B5EF4-FFF2-40B4-BE49-F238E27FC236}">
-                <a16:creationId xmlns:a16="http://schemas.microsoft.com/office/drawing/2014/main" id="{38F9F37E-D3CF-4F3D-96C2-25307819DF2D}"/>
+                <a16:creationId xmlns:a16="http://schemas.microsoft.com/office/drawing/2014/main" id="{C0143637-4934-44E4-B909-BAF1E7B27972}"/>
               </a:ext>
               <a:ext uri="{C183D7F6-B498-43B3-948B-1728B52AA6E4}">
                 <adec:decorative xmlns:adec="http://schemas.microsoft.com/office/drawing/2017/decorative" val="1"/>
@@ -4164,26 +3761,17 @@
         </p:nvSpPr>
         <p:spPr>
           <a:xfrm>
-            <a:off x="0" y="2019476"/>
-            <a:ext cx="12192000" cy="4105941"/>
+            <a:off x="0" y="-2"/>
+            <a:ext cx="4062127" cy="6858002"/>
           </a:xfrm>
           <a:prstGeom prst="rect">
             <a:avLst/>
           </a:prstGeom>
-          <a:gradFill flip="none" rotWithShape="1">
-            <a:gsLst>
-              <a:gs pos="0">
-                <a:schemeClr val="bg2">
-                  <a:alpha val="0"/>
-                </a:schemeClr>
-              </a:gs>
-              <a:gs pos="100000">
-                <a:schemeClr val="bg2"/>
-              </a:gs>
-            </a:gsLst>
-            <a:lin ang="5400000" scaled="0"/>
-            <a:tileRect/>
-          </a:gradFill>
+          <a:solidFill>
+            <a:schemeClr val="accent1">
+              <a:lumMod val="75000"/>
+            </a:schemeClr>
+          </a:solidFill>
           <a:ln>
             <a:noFill/>
           </a:ln>
@@ -4208,227 +3796,6 @@
           <a:bodyPr rtlCol="0" anchor="ctr"/>
           <a:lstStyle/>
           <a:p>
-            <a:pPr lvl="0" algn="ctr"/>
-            <a:endParaRPr lang="en-US"/>
-          </a:p>
-        </p:txBody>
-      </p:sp>
-      <p:sp>
-        <p:nvSpPr>
-          <p:cNvPr id="12" name="Rectangle 11">
-            <a:extLst>
-              <a:ext uri="{FF2B5EF4-FFF2-40B4-BE49-F238E27FC236}">
-                <a16:creationId xmlns:a16="http://schemas.microsoft.com/office/drawing/2014/main" id="{C5FFF17D-767C-40E7-8C89-962F1F54BCD0}"/>
-              </a:ext>
-              <a:ext uri="{C183D7F6-B498-43B3-948B-1728B52AA6E4}">
-                <adec:decorative xmlns:adec="http://schemas.microsoft.com/office/drawing/2017/decorative" val="1"/>
-              </a:ext>
-            </a:extLst>
-          </p:cNvPr>
-          <p:cNvSpPr>
-            <a:spLocks noGrp="1" noRot="1" noChangeAspect="1" noMove="1" noResize="1" noEditPoints="1" noAdjustHandles="1" noChangeArrowheads="1" noChangeShapeType="1" noTextEdit="1"/>
-          </p:cNvSpPr>
-          <p:nvPr>
-            <p:extLst>
-              <p:ext uri="{386F3935-93C4-4BCD-93E2-E3B085C9AB24}">
-                <p16:designElem xmlns:p16="http://schemas.microsoft.com/office/powerpoint/2015/main" val="1"/>
-              </p:ext>
-            </p:extLst>
-          </p:nvPr>
-        </p:nvSpPr>
-        <p:spPr>
-          <a:xfrm>
-            <a:off x="643331" y="638508"/>
-            <a:ext cx="10905339" cy="4843439"/>
-          </a:xfrm>
-          <a:prstGeom prst="rect">
-            <a:avLst/>
-          </a:prstGeom>
-          <a:gradFill>
-            <a:gsLst>
-              <a:gs pos="0">
-                <a:srgbClr val="000001"/>
-              </a:gs>
-              <a:gs pos="100000">
-                <a:srgbClr val="191919"/>
-              </a:gs>
-            </a:gsLst>
-          </a:gradFill>
-          <a:ln w="76200" cmpd="sng">
-            <a:noFill/>
-            <a:miter lim="800000"/>
-          </a:ln>
-          <a:effectLst>
-            <a:outerShdw blurRad="127000" dist="228600" dir="4740000" sx="98000" sy="98000" algn="tl" rotWithShape="0">
-              <a:srgbClr val="000000">
-                <a:alpha val="34000"/>
-              </a:srgbClr>
-            </a:outerShdw>
-          </a:effectLst>
-          <a:scene3d>
-            <a:camera prst="orthographicFront"/>
-            <a:lightRig rig="threePt" dir="t"/>
-          </a:scene3d>
-          <a:sp3d>
-            <a:bevelT w="152400" h="50800" prst="softRound"/>
-          </a:sp3d>
-        </p:spPr>
-        <p:style>
-          <a:lnRef idx="1">
-            <a:schemeClr val="accent1"/>
-          </a:lnRef>
-          <a:fillRef idx="3">
-            <a:schemeClr val="accent1"/>
-          </a:fillRef>
-          <a:effectRef idx="2">
-            <a:schemeClr val="accent1"/>
-          </a:effectRef>
-          <a:fontRef idx="minor">
-            <a:schemeClr val="lt1"/>
-          </a:fontRef>
-        </p:style>
-        <p:txBody>
-          <a:bodyPr rtlCol="0" anchor="ctr"/>
-          <a:lstStyle/>
-          <a:p>
-            <a:pPr algn="ctr"/>
-            <a:endParaRPr lang="en-US"/>
-          </a:p>
-        </p:txBody>
-      </p:sp>
-      <p:sp>
-        <p:nvSpPr>
-          <p:cNvPr id="14" name="Rectangle 13">
-            <a:extLst>
-              <a:ext uri="{FF2B5EF4-FFF2-40B4-BE49-F238E27FC236}">
-                <a16:creationId xmlns:a16="http://schemas.microsoft.com/office/drawing/2014/main" id="{E69F39E1-619D-4D9E-8823-8BD8CC3206B6}"/>
-              </a:ext>
-              <a:ext uri="{C183D7F6-B498-43B3-948B-1728B52AA6E4}">
-                <adec:decorative xmlns:adec="http://schemas.microsoft.com/office/drawing/2017/decorative" val="1"/>
-              </a:ext>
-            </a:extLst>
-          </p:cNvPr>
-          <p:cNvSpPr>
-            <a:spLocks noGrp="1" noRot="1" noChangeAspect="1" noMove="1" noResize="1" noEditPoints="1" noAdjustHandles="1" noChangeArrowheads="1" noChangeShapeType="1" noTextEdit="1"/>
-          </p:cNvSpPr>
-          <p:nvPr>
-            <p:extLst>
-              <p:ext uri="{386F3935-93C4-4BCD-93E2-E3B085C9AB24}">
-                <p16:designElem xmlns:p16="http://schemas.microsoft.com/office/powerpoint/2015/main" val="1"/>
-              </p:ext>
-            </p:extLst>
-          </p:nvPr>
-        </p:nvSpPr>
-        <p:spPr>
-          <a:xfrm>
-            <a:off x="870204" y="865667"/>
-            <a:ext cx="10451592" cy="4389120"/>
-          </a:xfrm>
-          <a:prstGeom prst="rect">
-            <a:avLst/>
-          </a:prstGeom>
-          <a:ln w="50800" cmpd="sng">
-            <a:solidFill>
-              <a:srgbClr val="191919"/>
-            </a:solidFill>
-            <a:miter lim="800000"/>
-          </a:ln>
-          <a:effectLst>
-            <a:innerShdw blurRad="63500" dist="88900" dir="14100000">
-              <a:srgbClr val="000000">
-                <a:alpha val="30000"/>
-              </a:srgbClr>
-            </a:innerShdw>
-          </a:effectLst>
-          <a:scene3d>
-            <a:camera prst="orthographicFront"/>
-            <a:lightRig rig="threePt" dir="t"/>
-          </a:scene3d>
-          <a:sp3d>
-            <a:bevelT prst="relaxedInset"/>
-          </a:sp3d>
-        </p:spPr>
-        <p:style>
-          <a:lnRef idx="1">
-            <a:schemeClr val="accent1"/>
-          </a:lnRef>
-          <a:fillRef idx="1003">
-            <a:schemeClr val="lt1"/>
-          </a:fillRef>
-          <a:effectRef idx="2">
-            <a:schemeClr val="accent1"/>
-          </a:effectRef>
-          <a:fontRef idx="minor">
-            <a:schemeClr val="lt1"/>
-          </a:fontRef>
-        </p:style>
-        <p:txBody>
-          <a:bodyPr rtlCol="0" anchor="ctr"/>
-          <a:lstStyle/>
-          <a:p>
-            <a:pPr algn="ctr"/>
-            <a:endParaRPr lang="en-US"/>
-          </a:p>
-        </p:txBody>
-      </p:sp>
-      <p:sp>
-        <p:nvSpPr>
-          <p:cNvPr id="16" name="Rectangle 15">
-            <a:extLst>
-              <a:ext uri="{FF2B5EF4-FFF2-40B4-BE49-F238E27FC236}">
-                <a16:creationId xmlns:a16="http://schemas.microsoft.com/office/drawing/2014/main" id="{C8C53F47-DF50-454F-A5A6-6B969748D972}"/>
-              </a:ext>
-              <a:ext uri="{C183D7F6-B498-43B3-948B-1728B52AA6E4}">
-                <adec:decorative xmlns:adec="http://schemas.microsoft.com/office/drawing/2017/decorative" val="1"/>
-              </a:ext>
-            </a:extLst>
-          </p:cNvPr>
-          <p:cNvSpPr>
-            <a:spLocks noGrp="1" noRot="1" noChangeAspect="1" noMove="1" noResize="1" noEditPoints="1" noAdjustHandles="1" noChangeArrowheads="1" noChangeShapeType="1" noTextEdit="1"/>
-          </p:cNvSpPr>
-          <p:nvPr>
-            <p:extLst>
-              <p:ext uri="{386F3935-93C4-4BCD-93E2-E3B085C9AB24}">
-                <p16:designElem xmlns:p16="http://schemas.microsoft.com/office/powerpoint/2015/main" val="1"/>
-              </p:ext>
-            </p:extLst>
-          </p:nvPr>
-        </p:nvSpPr>
-        <p:spPr>
-          <a:xfrm>
-            <a:off x="1034796" y="1030259"/>
-            <a:ext cx="10122408" cy="4059936"/>
-          </a:xfrm>
-          <a:prstGeom prst="rect">
-            <a:avLst/>
-          </a:prstGeom>
-          <a:noFill/>
-          <a:ln>
-            <a:solidFill>
-              <a:srgbClr val="454545"/>
-            </a:solidFill>
-          </a:ln>
-        </p:spPr>
-        <p:style>
-          <a:lnRef idx="2">
-            <a:schemeClr val="accent1">
-              <a:shade val="50000"/>
-            </a:schemeClr>
-          </a:lnRef>
-          <a:fillRef idx="1">
-            <a:schemeClr val="accent1"/>
-          </a:fillRef>
-          <a:effectRef idx="0">
-            <a:schemeClr val="accent1"/>
-          </a:effectRef>
-          <a:fontRef idx="minor">
-            <a:schemeClr val="lt1"/>
-          </a:fontRef>
-        </p:style>
-        <p:txBody>
-          <a:bodyPr rtlCol="0" anchor="ctr"/>
-          <a:lstStyle/>
-          <a:p>
             <a:pPr algn="ctr"/>
             <a:endParaRPr lang="en-US"/>
           </a:p>
@@ -4452,30 +3819,39 @@
         </p:nvSpPr>
         <p:spPr>
           <a:xfrm>
-            <a:off x="1451579" y="1376053"/>
-            <a:ext cx="9405891" cy="1002990"/>
-          </a:xfrm>
-        </p:spPr>
-        <p:txBody>
-          <a:bodyPr anchor="ctr">
+            <a:off x="849683" y="1240076"/>
+            <a:ext cx="2880984" cy="4584527"/>
+          </a:xfrm>
+        </p:spPr>
+        <p:txBody>
+          <a:bodyPr anchor="t">
             <a:normAutofit/>
           </a:bodyPr>
           <a:lstStyle/>
           <a:p>
-            <a:r>
-              <a:rPr lang="en-US" dirty="0"/>
+            <a:pPr algn="l"/>
+            <a:r>
+              <a:rPr lang="en-US" sz="3600" dirty="0">
+                <a:solidFill>
+                  <a:srgbClr val="FFFFFF"/>
+                </a:solidFill>
+              </a:rPr>
               <a:t>2</a:t>
             </a:r>
-            <a:endParaRPr lang="ru-RU" dirty="0"/>
-          </a:p>
-        </p:txBody>
-      </p:sp>
-      <p:sp>
-        <p:nvSpPr>
-          <p:cNvPr id="3" name="Объект 2">
+            <a:endParaRPr lang="ru-RU" sz="3600" dirty="0">
+              <a:solidFill>
+                <a:srgbClr val="FFFFFF"/>
+              </a:solidFill>
+            </a:endParaRPr>
+          </a:p>
+        </p:txBody>
+      </p:sp>
+      <p:sp>
+        <p:nvSpPr>
+          <p:cNvPr id="4" name="Объект 3">
             <a:extLst>
               <a:ext uri="{FF2B5EF4-FFF2-40B4-BE49-F238E27FC236}">
-                <a16:creationId xmlns:a16="http://schemas.microsoft.com/office/drawing/2014/main" id="{B17959A3-D9BD-47D0-B467-E1362E906630}"/>
+                <a16:creationId xmlns:a16="http://schemas.microsoft.com/office/drawing/2014/main" id="{441125DD-8D70-492B-A25B-E78CAA0C6F0D}"/>
               </a:ext>
             </a:extLst>
           </p:cNvPr>
@@ -4488,64 +3864,20 @@
         </p:nvSpPr>
         <p:spPr>
           <a:xfrm>
-            <a:off x="1451579" y="2464991"/>
-            <a:ext cx="9405891" cy="2403571"/>
-          </a:xfrm>
-        </p:spPr>
-        <p:txBody>
-          <a:bodyPr>
+            <a:off x="4705594" y="1240077"/>
+            <a:ext cx="6034827" cy="4916465"/>
+          </a:xfrm>
+        </p:spPr>
+        <p:txBody>
+          <a:bodyPr anchor="t">
             <a:normAutofit/>
           </a:bodyPr>
           <a:lstStyle/>
           <a:p>
-            <a:endParaRPr lang="ru-RU"/>
-          </a:p>
-        </p:txBody>
-      </p:sp>
-      <p:pic>
-        <p:nvPicPr>
-          <p:cNvPr id="18" name="Picture 17">
-            <a:extLst>
-              <a:ext uri="{FF2B5EF4-FFF2-40B4-BE49-F238E27FC236}">
-                <a16:creationId xmlns:a16="http://schemas.microsoft.com/office/drawing/2014/main" id="{6A26901A-BC62-4A3A-A07A-65E1F3DDDEC6}"/>
-              </a:ext>
-              <a:ext uri="{C183D7F6-B498-43B3-948B-1728B52AA6E4}">
-                <adec:decorative xmlns:adec="http://schemas.microsoft.com/office/drawing/2017/decorative" val="1"/>
-              </a:ext>
-            </a:extLst>
-          </p:cNvPr>
-          <p:cNvPicPr>
-            <a:picLocks noGrp="1" noRot="1" noChangeAspect="1" noMove="1" noResize="1" noEditPoints="1" noAdjustHandles="1" noChangeArrowheads="1" noChangeShapeType="1" noCrop="1"/>
-          </p:cNvPicPr>
-          <p:nvPr>
-            <p:extLst>
-              <p:ext uri="{386F3935-93C4-4BCD-93E2-E3B085C9AB24}">
-                <p16:designElem xmlns:p16="http://schemas.microsoft.com/office/powerpoint/2015/main" val="1"/>
-              </p:ext>
-            </p:extLst>
-          </p:nvPr>
-        </p:nvPicPr>
-        <p:blipFill rotWithShape="1">
-          <a:blip r:embed="rId2">
-            <a:extLst>
-              <a:ext uri="{28A0092B-C50C-407E-A947-70E740481C1C}">
-                <a14:useLocalDpi xmlns:a14="http://schemas.microsoft.com/office/drawing/2010/main" val="0"/>
-              </a:ext>
-            </a:extLst>
-          </a:blip>
-          <a:srcRect t="1538" b="-1538"/>
-          <a:stretch/>
-        </p:blipFill>
-        <p:spPr bwMode="black">
-          <a:xfrm>
-            <a:off x="0" y="6126480"/>
-            <a:ext cx="12192000" cy="742950"/>
-          </a:xfrm>
-          <a:prstGeom prst="rect">
-            <a:avLst/>
-          </a:prstGeom>
-        </p:spPr>
-      </p:pic>
+            <a:endParaRPr lang="ru-RU" sz="1400" dirty="0"/>
+          </a:p>
+        </p:txBody>
+      </p:sp>
     </p:spTree>
     <p:extLst>
       <p:ext uri="{BB962C8B-B14F-4D97-AF65-F5344CB8AC3E}">
@@ -4567,20 +3899,20 @@
         <a:gradFill rotWithShape="1">
           <a:gsLst>
             <a:gs pos="0">
-              <a:schemeClr val="bg2">
+              <a:schemeClr val="bg1">
                 <a:tint val="94000"/>
                 <a:satMod val="80000"/>
                 <a:lumMod val="106000"/>
               </a:schemeClr>
             </a:gs>
             <a:gs pos="100000">
-              <a:schemeClr val="bg2">
+              <a:schemeClr val="bg1">
                 <a:shade val="80000"/>
               </a:schemeClr>
             </a:gs>
           </a:gsLst>
           <a:path path="circle">
-            <a:fillToRect l="50000" t="50000" r="50000" b="50000"/>
+            <a:fillToRect l="43000" r="43000" b="100000"/>
           </a:path>
         </a:gradFill>
         <a:effectLst/>
@@ -4602,7 +3934,7 @@
       </p:grpSpPr>
       <p:sp useBgFill="1">
         <p:nvSpPr>
-          <p:cNvPr id="8" name="Rectangle 7">
+          <p:cNvPr id="16" name="Rectangle 7">
             <a:extLst>
               <a:ext uri="{FF2B5EF4-FFF2-40B4-BE49-F238E27FC236}">
                 <a16:creationId xmlns:a16="http://schemas.microsoft.com/office/drawing/2014/main" id="{29C51009-A09A-4689-8E6C-F8FC99E6A840}"/>
@@ -4678,8 +4010,8 @@
         </p:nvSpPr>
         <p:spPr>
           <a:xfrm>
-            <a:off x="844476" y="1600199"/>
-            <a:ext cx="3539266" cy="4297680"/>
+            <a:off x="1249961" y="1600199"/>
+            <a:ext cx="3173482" cy="4297680"/>
           </a:xfrm>
         </p:spPr>
         <p:txBody>
@@ -4698,7 +4030,7 @@
       </p:sp>
       <p:cxnSp>
         <p:nvCxnSpPr>
-          <p:cNvPr id="10" name="Straight Connector 9">
+          <p:cNvPr id="17" name="Straight Connector 9">
             <a:extLst>
               <a:ext uri="{FF2B5EF4-FFF2-40B4-BE49-F238E27FC236}">
                 <a16:creationId xmlns:a16="http://schemas.microsoft.com/office/drawing/2014/main" id="{9EC65442-F244-409C-BF44-C5D6472E810A}"/>
@@ -4721,13 +4053,13 @@
         </p:nvCxnSpPr>
         <p:spPr>
           <a:xfrm>
-            <a:off x="4654296" y="2148839"/>
-            <a:ext cx="0" cy="3200400"/>
+            <a:off x="4654296" y="1600199"/>
+            <a:ext cx="0" cy="4297680"/>
           </a:xfrm>
           <a:prstGeom prst="line">
             <a:avLst/>
           </a:prstGeom>
-          <a:ln w="31750"/>
+          <a:ln w="38100"/>
         </p:spPr>
         <p:style>
           <a:lnRef idx="1">
@@ -4762,8 +4094,8 @@
         </p:nvSpPr>
         <p:spPr>
           <a:xfrm>
-            <a:off x="4924851" y="1600199"/>
-            <a:ext cx="6130003" cy="4297680"/>
+            <a:off x="4885151" y="1600199"/>
+            <a:ext cx="6169703" cy="4297680"/>
           </a:xfrm>
         </p:spPr>
         <p:txBody>
@@ -4772,7 +4104,7 @@
           </a:bodyPr>
           <a:lstStyle/>
           <a:p>
-            <a:endParaRPr lang="ru-RU"/>
+            <a:endParaRPr lang="ru-RU" sz="1400" dirty="0"/>
           </a:p>
         </p:txBody>
       </p:sp>
@@ -4780,6 +4112,104 @@
     <p:extLst>
       <p:ext uri="{BB962C8B-B14F-4D97-AF65-F5344CB8AC3E}">
         <p14:creationId xmlns:p14="http://schemas.microsoft.com/office/powerpoint/2010/main" val="2037039507"/>
+      </p:ext>
+    </p:extLst>
+  </p:cSld>
+  <p:clrMapOvr>
+    <a:masterClrMapping/>
+  </p:clrMapOvr>
+</p:sld>
+</file>
+
+<file path=ppt/slides/slide5.xml><?xml version="1.0" encoding="utf-8"?>
+<p:sld xmlns:a="http://schemas.openxmlformats.org/drawingml/2006/main" xmlns:r="http://schemas.openxmlformats.org/officeDocument/2006/relationships" xmlns:p="http://schemas.openxmlformats.org/presentationml/2006/main">
+  <p:cSld>
+    <p:spTree>
+      <p:nvGrpSpPr>
+        <p:cNvPr id="1" name=""/>
+        <p:cNvGrpSpPr/>
+        <p:nvPr/>
+      </p:nvGrpSpPr>
+      <p:grpSpPr>
+        <a:xfrm>
+          <a:off x="0" y="0"/>
+          <a:ext cx="0" cy="0"/>
+          <a:chOff x="0" y="0"/>
+          <a:chExt cx="0" cy="0"/>
+        </a:xfrm>
+      </p:grpSpPr>
+      <p:sp>
+        <p:nvSpPr>
+          <p:cNvPr id="2" name="Заголовок 1">
+            <a:extLst>
+              <a:ext uri="{FF2B5EF4-FFF2-40B4-BE49-F238E27FC236}">
+                <a16:creationId xmlns:a16="http://schemas.microsoft.com/office/drawing/2014/main" id="{2DD91285-8BB9-4ACE-A293-3E9D16C2972A}"/>
+              </a:ext>
+            </a:extLst>
+          </p:cNvPr>
+          <p:cNvSpPr>
+            <a:spLocks noGrp="1"/>
+          </p:cNvSpPr>
+          <p:nvPr>
+            <p:ph type="title"/>
+          </p:nvPr>
+        </p:nvSpPr>
+        <p:spPr>
+          <a:xfrm>
+            <a:off x="1249961" y="1600199"/>
+            <a:ext cx="3173482" cy="4297680"/>
+          </a:xfrm>
+        </p:spPr>
+        <p:txBody>
+          <a:bodyPr anchor="ctr">
+            <a:normAutofit/>
+          </a:bodyPr>
+          <a:lstStyle/>
+          <a:p>
+            <a:r>
+              <a:rPr lang="en-US" dirty="0"/>
+              <a:t>3</a:t>
+            </a:r>
+            <a:endParaRPr lang="ru-RU" dirty="0"/>
+          </a:p>
+        </p:txBody>
+      </p:sp>
+      <p:sp>
+        <p:nvSpPr>
+          <p:cNvPr id="3" name="Объект 2">
+            <a:extLst>
+              <a:ext uri="{FF2B5EF4-FFF2-40B4-BE49-F238E27FC236}">
+                <a16:creationId xmlns:a16="http://schemas.microsoft.com/office/drawing/2014/main" id="{87A11CFB-7C55-47F6-B902-F142C1F8990A}"/>
+              </a:ext>
+            </a:extLst>
+          </p:cNvPr>
+          <p:cNvSpPr>
+            <a:spLocks noGrp="1"/>
+          </p:cNvSpPr>
+          <p:nvPr>
+            <p:ph idx="1"/>
+          </p:nvPr>
+        </p:nvSpPr>
+        <p:spPr>
+          <a:xfrm>
+            <a:off x="4885151" y="1600199"/>
+            <a:ext cx="6169703" cy="4297680"/>
+          </a:xfrm>
+        </p:spPr>
+        <p:txBody>
+          <a:bodyPr anchor="ctr">
+            <a:normAutofit/>
+          </a:bodyPr>
+          <a:lstStyle/>
+          <a:p>
+            <a:endParaRPr lang="ru-RU" sz="1400" dirty="0"/>
+          </a:p>
+        </p:txBody>
+      </p:sp>
+    </p:spTree>
+    <p:extLst>
+      <p:ext uri="{BB962C8B-B14F-4D97-AF65-F5344CB8AC3E}">
+        <p14:creationId xmlns:p14="http://schemas.microsoft.com/office/powerpoint/2010/main" val="741305305"/>
       </p:ext>
     </p:extLst>
   </p:cSld>
@@ -4803,36 +4233,36 @@
         <a:srgbClr val="454545"/>
       </a:dk2>
       <a:lt2>
-        <a:srgbClr val="DFDBD5"/>
+        <a:srgbClr val="DFD9D5"/>
       </a:lt2>
       <a:accent1>
-        <a:srgbClr val="B71E42"/>
+        <a:srgbClr val="FB8C29"/>
       </a:accent1>
       <a:accent2>
-        <a:srgbClr val="DE478E"/>
+        <a:srgbClr val="F2C351"/>
       </a:accent2>
       <a:accent3>
-        <a:srgbClr val="BC72F0"/>
+        <a:srgbClr val="D0CBA5"/>
       </a:accent3>
       <a:accent4>
-        <a:srgbClr val="795FAF"/>
+        <a:srgbClr val="A2C476"/>
       </a:accent4>
       <a:accent5>
-        <a:srgbClr val="586EA6"/>
+        <a:srgbClr val="57C293"/>
       </a:accent5>
       <a:accent6>
-        <a:srgbClr val="6892A0"/>
+        <a:srgbClr val="06BFDE"/>
       </a:accent6>
       <a:hlink>
-        <a:srgbClr val="FA2B5C"/>
+        <a:srgbClr val="FBAE29"/>
       </a:hlink>
       <a:folHlink>
-        <a:srgbClr val="BC658E"/>
+        <a:srgbClr val="EDC47E"/>
       </a:folHlink>
     </a:clrScheme>
     <a:fontScheme name="Галерея">
       <a:majorFont>
-        <a:latin typeface="Gill Sans MT" panose="020B0502020104020203"/>
+        <a:latin typeface="Rockwell" panose="02060603020205020403"/>
         <a:ea typeface=""/>
         <a:cs typeface=""/>
         <a:font script="Jpan" typeface="游ゴシック Light"/>
@@ -4867,7 +4297,7 @@
         <a:font script="Geor" typeface="Sylfaen"/>
       </a:majorFont>
       <a:minorFont>
-        <a:latin typeface="Gill Sans MT" panose="020B0502020104020203"/>
+        <a:latin typeface="Rockwell" panose="02060603020205020403"/>
         <a:ea typeface=""/>
         <a:cs typeface=""/>
         <a:font script="Jpan" typeface="游ゴシック"/>
@@ -5036,7 +4466,7 @@
   <a:extraClrSchemeLst/>
   <a:extLst>
     <a:ext uri="{05A4C25C-085E-4340-85A3-A5531E510DB2}">
-      <thm15:themeFamily xmlns:thm15="http://schemas.microsoft.com/office/thememl/2012/main" name="Gallery" id="{BBFCD31E-59A1-489D-B089-A3EAD7CAE12E}" vid="{F5E91637-A7B6-4E27-B710-77DA7014EE1E}"/>
+      <thm15:themeFamily xmlns:thm15="http://schemas.microsoft.com/office/thememl/2012/main" name="Gallery" id="{BBFCD31E-59A1-489D-B089-A3EAD7CAE12E}" vid="{BB5F5D82-B5E9-469E-A815-C655ED4AF243}"/>
     </a:ext>
   </a:extLst>
 </a:theme>
